--- a/Module04_AdminSysLinux/Cours5DroitsAcces.pptx
+++ b/Module04_AdminSysLinux/Cours5DroitsAcces.pptx
@@ -216,7 +216,7 @@
 <file path=ppt/revisionInfo.xml><?xml version="1.0" encoding="utf-8"?>
 <p1510:revInfo xmlns:a="http://schemas.openxmlformats.org/drawingml/2006/main" xmlns:r="http://schemas.openxmlformats.org/officeDocument/2006/relationships" xmlns:p1510="http://schemas.microsoft.com/office/powerpoint/2015/10/main">
   <p1510:revLst>
-    <p1510:client id="{9452BF38-D9AB-48F2-8710-47FF5A84AD1E}" v="9" dt="2021-05-22T20:35:18.571"/>
+    <p1510:client id="{9452BF38-D9AB-48F2-8710-47FF5A84AD1E}" v="160" dt="2021-05-23T17:24:18.130"/>
   </p1510:revLst>
 </p1510:revInfo>
 </file>
@@ -361,7 +361,7 @@
   <pc:docChgLst>
     <pc:chgData name="Jean-Pierre Duchesneau" userId="a41dad7d-4331-478d-884a-a37b1c6c6add" providerId="ADAL" clId="{9452BF38-D9AB-48F2-8710-47FF5A84AD1E}"/>
     <pc:docChg chg="undo custSel delSld modSld addSection delSection modSection">
-      <pc:chgData name="Jean-Pierre Duchesneau" userId="a41dad7d-4331-478d-884a-a37b1c6c6add" providerId="ADAL" clId="{9452BF38-D9AB-48F2-8710-47FF5A84AD1E}" dt="2021-05-23T17:12:11.887" v="167" actId="20577"/>
+      <pc:chgData name="Jean-Pierre Duchesneau" userId="a41dad7d-4331-478d-884a-a37b1c6c6add" providerId="ADAL" clId="{9452BF38-D9AB-48F2-8710-47FF5A84AD1E}" dt="2021-05-23T17:24:18.130" v="176"/>
       <pc:docMkLst>
         <pc:docMk/>
       </pc:docMkLst>
@@ -425,6 +425,29 @@
           <pc:docMk/>
           <pc:sldMk cId="1909015952" sldId="257"/>
         </pc:sldMkLst>
+      </pc:sldChg>
+      <pc:sldChg chg="modSp mod">
+        <pc:chgData name="Jean-Pierre Duchesneau" userId="a41dad7d-4331-478d-884a-a37b1c6c6add" providerId="ADAL" clId="{9452BF38-D9AB-48F2-8710-47FF5A84AD1E}" dt="2021-05-23T17:24:18.130" v="176"/>
+        <pc:sldMkLst>
+          <pc:docMk/>
+          <pc:sldMk cId="3156105855" sldId="258"/>
+        </pc:sldMkLst>
+        <pc:spChg chg="mod">
+          <ac:chgData name="Jean-Pierre Duchesneau" userId="a41dad7d-4331-478d-884a-a37b1c6c6add" providerId="ADAL" clId="{9452BF38-D9AB-48F2-8710-47FF5A84AD1E}" dt="2021-05-23T17:24:17.961" v="174" actId="20577"/>
+          <ac:spMkLst>
+            <pc:docMk/>
+            <pc:sldMk cId="3156105855" sldId="258"/>
+            <ac:spMk id="3" creationId="{8C508B02-FB4D-4441-A711-56FACE11BA32}"/>
+          </ac:spMkLst>
+        </pc:spChg>
+        <pc:spChg chg="mod">
+          <ac:chgData name="Jean-Pierre Duchesneau" userId="a41dad7d-4331-478d-884a-a37b1c6c6add" providerId="ADAL" clId="{9452BF38-D9AB-48F2-8710-47FF5A84AD1E}" dt="2021-05-23T17:24:18.130" v="176"/>
+          <ac:spMkLst>
+            <pc:docMk/>
+            <pc:sldMk cId="3156105855" sldId="258"/>
+            <ac:spMk id="4" creationId="{0E7B65C8-A03E-487C-AEE2-AB9A3BF5B642}"/>
+          </ac:spMkLst>
+        </pc:spChg>
       </pc:sldChg>
       <pc:sldChg chg="del">
         <pc:chgData name="Jean-Pierre Duchesneau" userId="a41dad7d-4331-478d-884a-a37b1c6c6add" providerId="ADAL" clId="{9452BF38-D9AB-48F2-8710-47FF5A84AD1E}" dt="2021-05-22T20:11:37.233" v="0" actId="2696"/>
@@ -582,6 +605,59 @@
             <ac:picMk id="4" creationId="{85ECF112-63E1-4C5D-9797-10AC24A93D5F}"/>
           </ac:picMkLst>
         </pc:picChg>
+      </pc:sldChg>
+      <pc:sldChg chg="modSp">
+        <pc:chgData name="Jean-Pierre Duchesneau" userId="a41dad7d-4331-478d-884a-a37b1c6c6add" providerId="ADAL" clId="{9452BF38-D9AB-48F2-8710-47FF5A84AD1E}" dt="2021-05-23T17:24:17.491" v="171"/>
+        <pc:sldMkLst>
+          <pc:docMk/>
+          <pc:sldMk cId="713754281" sldId="286"/>
+        </pc:sldMkLst>
+        <pc:spChg chg="mod">
+          <ac:chgData name="Jean-Pierre Duchesneau" userId="a41dad7d-4331-478d-884a-a37b1c6c6add" providerId="ADAL" clId="{9452BF38-D9AB-48F2-8710-47FF5A84AD1E}" dt="2021-05-23T17:24:17.434" v="170"/>
+          <ac:spMkLst>
+            <pc:docMk/>
+            <pc:sldMk cId="713754281" sldId="286"/>
+            <ac:spMk id="3" creationId="{E089A916-1F07-4E00-9221-425142E784BB}"/>
+          </ac:spMkLst>
+        </pc:spChg>
+        <pc:spChg chg="mod">
+          <ac:chgData name="Jean-Pierre Duchesneau" userId="a41dad7d-4331-478d-884a-a37b1c6c6add" providerId="ADAL" clId="{9452BF38-D9AB-48F2-8710-47FF5A84AD1E}" dt="2021-05-23T17:24:17.491" v="171"/>
+          <ac:spMkLst>
+            <pc:docMk/>
+            <pc:sldMk cId="713754281" sldId="286"/>
+            <ac:spMk id="7" creationId="{3EBEE115-4BE5-4836-87D2-127323026C6D}"/>
+          </ac:spMkLst>
+        </pc:spChg>
+      </pc:sldChg>
+      <pc:sldChg chg="modSp">
+        <pc:chgData name="Jean-Pierre Duchesneau" userId="a41dad7d-4331-478d-884a-a37b1c6c6add" providerId="ADAL" clId="{9452BF38-D9AB-48F2-8710-47FF5A84AD1E}" dt="2021-05-23T17:24:17.354" v="169"/>
+        <pc:sldMkLst>
+          <pc:docMk/>
+          <pc:sldMk cId="1733210312" sldId="292"/>
+        </pc:sldMkLst>
+        <pc:spChg chg="mod">
+          <ac:chgData name="Jean-Pierre Duchesneau" userId="a41dad7d-4331-478d-884a-a37b1c6c6add" providerId="ADAL" clId="{9452BF38-D9AB-48F2-8710-47FF5A84AD1E}" dt="2021-05-23T17:24:17.354" v="169"/>
+          <ac:spMkLst>
+            <pc:docMk/>
+            <pc:sldMk cId="1733210312" sldId="292"/>
+            <ac:spMk id="9" creationId="{06A095D2-067C-4AC9-98B2-49CFC3808875}"/>
+          </ac:spMkLst>
+        </pc:spChg>
+      </pc:sldChg>
+      <pc:sldChg chg="modSp">
+        <pc:chgData name="Jean-Pierre Duchesneau" userId="a41dad7d-4331-478d-884a-a37b1c6c6add" providerId="ADAL" clId="{9452BF38-D9AB-48F2-8710-47FF5A84AD1E}" dt="2021-05-23T17:24:17.617" v="172"/>
+        <pc:sldMkLst>
+          <pc:docMk/>
+          <pc:sldMk cId="0" sldId="326"/>
+        </pc:sldMkLst>
+        <pc:spChg chg="mod">
+          <ac:chgData name="Jean-Pierre Duchesneau" userId="a41dad7d-4331-478d-884a-a37b1c6c6add" providerId="ADAL" clId="{9452BF38-D9AB-48F2-8710-47FF5A84AD1E}" dt="2021-05-23T17:24:17.617" v="172"/>
+          <ac:spMkLst>
+            <pc:docMk/>
+            <pc:sldMk cId="0" sldId="326"/>
+            <ac:spMk id="3" creationId="{00000000-0000-0000-0000-000000000000}"/>
+          </ac:spMkLst>
+        </pc:spChg>
       </pc:sldChg>
       <pc:sldChg chg="delSp modSp mod">
         <pc:chgData name="Jean-Pierre Duchesneau" userId="a41dad7d-4331-478d-884a-a37b1c6c6add" providerId="ADAL" clId="{9452BF38-D9AB-48F2-8710-47FF5A84AD1E}" dt="2021-05-22T20:37:10.507" v="165" actId="1076"/>
@@ -1555,7 +1631,7 @@
             <a:pPr rtl="0"/>
             <a:fld id="{153B9F70-C9FE-45FE-8BA2-11B9BDB0807C}" type="datetime1">
               <a:rPr lang="fr-FR" smtClean="0"/>
-              <a:t>22/05/2021</a:t>
+              <a:t>23/05/2021</a:t>
             </a:fld>
             <a:endParaRPr lang="fr-FR" dirty="0"/>
           </a:p>
@@ -1725,7 +1801,7 @@
             <a:pPr rtl="0"/>
             <a:fld id="{722DDE82-2D54-4AB2-8114-EB06BAB63866}" type="datetime1">
               <a:rPr lang="fr-FR" noProof="0" smtClean="0"/>
-              <a:t>22/05/2021</a:t>
+              <a:t>23/05/2021</a:t>
             </a:fld>
             <a:endParaRPr lang="fr-FR" noProof="0" dirty="0"/>
           </a:p>
@@ -2702,7 +2778,7 @@
             <a:pPr rtl="0"/>
             <a:fld id="{4F100C82-D502-454B-9D54-D5DEB14EB94C}" type="datetime1">
               <a:rPr lang="fr-FR" noProof="0" smtClean="0"/>
-              <a:t>22/05/2021</a:t>
+              <a:t>23/05/2021</a:t>
             </a:fld>
             <a:endParaRPr lang="fr-FR" noProof="0" dirty="0"/>
           </a:p>
@@ -3254,7 +3330,7 @@
             <a:fld id="{FE5FE2D7-573C-4781-ABBD-3B4ABC3827AB}" type="datetime1">
               <a:rPr lang="fr-CA" smtClean="0"/>
               <a:pPr/>
-              <a:t>2021-05-22</a:t>
+              <a:t>2021-05-23</a:t>
             </a:fld>
             <a:endParaRPr lang="en-US" dirty="0"/>
           </a:p>
@@ -3554,7 +3630,7 @@
             <a:pPr rtl="0"/>
             <a:fld id="{2E4A3FCC-7018-480A-9973-FBF3BF4CEEDD}" type="datetime1">
               <a:rPr lang="fr-FR" noProof="0" smtClean="0"/>
-              <a:t>22/05/2021</a:t>
+              <a:t>23/05/2021</a:t>
             </a:fld>
             <a:endParaRPr lang="fr-FR" noProof="0" dirty="0"/>
           </a:p>
@@ -4113,7 +4189,11 @@
             </a:extLst>
           </p:cNvPr>
           <p:cNvSpPr txBox="1"/>
-          <p:nvPr/>
+          <p:nvPr>
+            <p:custDataLst>
+              <p:tags r:id="rId3"/>
+            </p:custDataLst>
+          </p:nvPr>
         </p:nvSpPr>
         <p:spPr>
           <a:xfrm>
@@ -4234,6 +4314,9 @@
           </p:cNvSpPr>
           <p:nvPr>
             <p:ph type="title"/>
+            <p:custDataLst>
+              <p:tags r:id="rId1"/>
+            </p:custDataLst>
           </p:nvPr>
         </p:nvSpPr>
         <p:spPr/>
@@ -4265,6 +4348,9 @@
           </p:cNvSpPr>
           <p:nvPr>
             <p:ph sz="quarter" idx="10"/>
+            <p:custDataLst>
+              <p:tags r:id="rId2"/>
+            </p:custDataLst>
           </p:nvPr>
         </p:nvSpPr>
         <p:spPr>
@@ -4431,6 +4517,9 @@
           </p:cNvSpPr>
           <p:nvPr>
             <p:ph type="title"/>
+            <p:custDataLst>
+              <p:tags r:id="rId1"/>
+            </p:custDataLst>
           </p:nvPr>
         </p:nvSpPr>
         <p:spPr/>
@@ -4459,6 +4548,9 @@
           </p:cNvSpPr>
           <p:nvPr>
             <p:ph sz="quarter" idx="10"/>
+            <p:custDataLst>
+              <p:tags r:id="rId2"/>
+            </p:custDataLst>
           </p:nvPr>
         </p:nvSpPr>
         <p:spPr/>
@@ -4551,10 +4643,14 @@
           <p:cNvPicPr>
             <a:picLocks noChangeAspect="1"/>
           </p:cNvPicPr>
-          <p:nvPr/>
+          <p:nvPr>
+            <p:custDataLst>
+              <p:tags r:id="rId3"/>
+            </p:custDataLst>
+          </p:nvPr>
         </p:nvPicPr>
         <p:blipFill>
-          <a:blip r:embed="rId2"/>
+          <a:blip r:embed="rId5"/>
           <a:stretch>
             <a:fillRect/>
           </a:stretch>
@@ -4613,6 +4709,9 @@
           </p:cNvSpPr>
           <p:nvPr>
             <p:ph type="title"/>
+            <p:custDataLst>
+              <p:tags r:id="rId1"/>
+            </p:custDataLst>
           </p:nvPr>
         </p:nvSpPr>
         <p:spPr>
@@ -4649,6 +4748,9 @@
           </p:cNvSpPr>
           <p:nvPr>
             <p:ph sz="quarter" idx="10"/>
+            <p:custDataLst>
+              <p:tags r:id="rId2"/>
+            </p:custDataLst>
           </p:nvPr>
         </p:nvSpPr>
         <p:spPr>
@@ -4690,10 +4792,14 @@
           <p:cNvPicPr>
             <a:picLocks noChangeAspect="1"/>
           </p:cNvPicPr>
-          <p:nvPr/>
+          <p:nvPr>
+            <p:custDataLst>
+              <p:tags r:id="rId3"/>
+            </p:custDataLst>
+          </p:nvPr>
         </p:nvPicPr>
         <p:blipFill>
-          <a:blip r:embed="rId2"/>
+          <a:blip r:embed="rId5"/>
           <a:stretch>
             <a:fillRect/>
           </a:stretch>
@@ -4752,6 +4858,9 @@
           </p:cNvSpPr>
           <p:nvPr>
             <p:ph type="title"/>
+            <p:custDataLst>
+              <p:tags r:id="rId1"/>
+            </p:custDataLst>
           </p:nvPr>
         </p:nvSpPr>
         <p:spPr/>
@@ -4777,6 +4886,9 @@
           </p:cNvSpPr>
           <p:nvPr>
             <p:ph sz="quarter" idx="10"/>
+            <p:custDataLst>
+              <p:tags r:id="rId2"/>
+            </p:custDataLst>
           </p:nvPr>
         </p:nvSpPr>
         <p:spPr/>
@@ -4800,10 +4912,14 @@
           <p:cNvPicPr>
             <a:picLocks noChangeAspect="1"/>
           </p:cNvPicPr>
-          <p:nvPr/>
+          <p:nvPr>
+            <p:custDataLst>
+              <p:tags r:id="rId3"/>
+            </p:custDataLst>
+          </p:nvPr>
         </p:nvPicPr>
         <p:blipFill>
-          <a:blip r:embed="rId2"/>
+          <a:blip r:embed="rId5"/>
           <a:stretch>
             <a:fillRect/>
           </a:stretch>
@@ -4862,6 +4978,9 @@
           </p:cNvSpPr>
           <p:nvPr>
             <p:ph type="title"/>
+            <p:custDataLst>
+              <p:tags r:id="rId1"/>
+            </p:custDataLst>
           </p:nvPr>
         </p:nvSpPr>
         <p:spPr/>
@@ -4890,6 +5009,9 @@
           </p:cNvSpPr>
           <p:nvPr>
             <p:ph sz="quarter" idx="10"/>
+            <p:custDataLst>
+              <p:tags r:id="rId2"/>
+            </p:custDataLst>
           </p:nvPr>
         </p:nvSpPr>
         <p:spPr>
@@ -4956,7 +5078,11 @@
           <p:cNvSpPr>
             <a:spLocks noChangeArrowheads="1"/>
           </p:cNvSpPr>
-          <p:nvPr/>
+          <p:nvPr>
+            <p:custDataLst>
+              <p:tags r:id="rId3"/>
+            </p:custDataLst>
+          </p:nvPr>
         </p:nvSpPr>
         <p:spPr bwMode="auto">
           <a:xfrm>
@@ -5075,10 +5201,14 @@
           <p:cNvPicPr>
             <a:picLocks noChangeAspect="1"/>
           </p:cNvPicPr>
-          <p:nvPr/>
+          <p:nvPr>
+            <p:custDataLst>
+              <p:tags r:id="rId4"/>
+            </p:custDataLst>
+          </p:nvPr>
         </p:nvPicPr>
         <p:blipFill>
-          <a:blip r:embed="rId2"/>
+          <a:blip r:embed="rId9"/>
           <a:stretch>
             <a:fillRect/>
           </a:stretch>
@@ -5105,10 +5235,14 @@
           <p:cNvPicPr>
             <a:picLocks noChangeAspect="1"/>
           </p:cNvPicPr>
-          <p:nvPr/>
+          <p:nvPr>
+            <p:custDataLst>
+              <p:tags r:id="rId5"/>
+            </p:custDataLst>
+          </p:nvPr>
         </p:nvPicPr>
         <p:blipFill>
-          <a:blip r:embed="rId3"/>
+          <a:blip r:embed="rId10"/>
           <a:stretch>
             <a:fillRect/>
           </a:stretch>
@@ -5135,10 +5269,14 @@
           <p:cNvPicPr>
             <a:picLocks noChangeAspect="1"/>
           </p:cNvPicPr>
-          <p:nvPr/>
+          <p:nvPr>
+            <p:custDataLst>
+              <p:tags r:id="rId6"/>
+            </p:custDataLst>
+          </p:nvPr>
         </p:nvPicPr>
         <p:blipFill>
-          <a:blip r:embed="rId4"/>
+          <a:blip r:embed="rId11"/>
           <a:stretch>
             <a:fillRect/>
           </a:stretch>
@@ -5163,7 +5301,11 @@
             </a:extLst>
           </p:cNvPr>
           <p:cNvSpPr txBox="1"/>
-          <p:nvPr/>
+          <p:nvPr>
+            <p:custDataLst>
+              <p:tags r:id="rId7"/>
+            </p:custDataLst>
+          </p:nvPr>
         </p:nvSpPr>
         <p:spPr>
           <a:xfrm>
@@ -5275,6 +5417,9 @@
           </p:cNvSpPr>
           <p:nvPr>
             <p:ph type="title"/>
+            <p:custDataLst>
+              <p:tags r:id="rId1"/>
+            </p:custDataLst>
           </p:nvPr>
         </p:nvSpPr>
         <p:spPr/>
@@ -5299,7 +5444,11 @@
             </a:extLst>
           </p:cNvPr>
           <p:cNvGrpSpPr/>
-          <p:nvPr/>
+          <p:nvPr>
+            <p:custDataLst>
+              <p:tags r:id="rId2"/>
+            </p:custDataLst>
+          </p:nvPr>
         </p:nvGrpSpPr>
         <p:grpSpPr>
           <a:xfrm>
@@ -5828,7 +5977,7 @@
               <p:nvPr/>
             </p:nvPicPr>
             <p:blipFill>
-              <a:blip r:embed="rId2" cstate="print"/>
+              <a:blip r:embed="rId6" cstate="print"/>
               <a:srcRect/>
               <a:stretch>
                 <a:fillRect/>
@@ -5864,7 +6013,7 @@
               <p:nvPr/>
             </p:nvPicPr>
             <p:blipFill>
-              <a:blip r:embed="rId3" cstate="print"/>
+              <a:blip r:embed="rId7" cstate="print"/>
               <a:srcRect/>
               <a:stretch>
                 <a:fillRect/>
@@ -5900,7 +6049,7 @@
               <p:nvPr/>
             </p:nvPicPr>
             <p:blipFill>
-              <a:blip r:embed="rId4" cstate="print"/>
+              <a:blip r:embed="rId8" cstate="print"/>
               <a:srcRect/>
               <a:stretch>
                 <a:fillRect/>
@@ -5936,7 +6085,7 @@
               <p:nvPr/>
             </p:nvPicPr>
             <p:blipFill>
-              <a:blip r:embed="rId5" cstate="print"/>
+              <a:blip r:embed="rId9" cstate="print"/>
               <a:srcRect/>
               <a:stretch>
                 <a:fillRect/>
@@ -5972,7 +6121,7 @@
               <p:nvPr/>
             </p:nvPicPr>
             <p:blipFill>
-              <a:blip r:embed="rId5" cstate="print"/>
+              <a:blip r:embed="rId9" cstate="print"/>
               <a:srcRect/>
               <a:stretch>
                 <a:fillRect/>
@@ -6007,7 +6156,11 @@
             </a:extLst>
           </p:cNvPr>
           <p:cNvSpPr/>
-          <p:nvPr/>
+          <p:nvPr>
+            <p:custDataLst>
+              <p:tags r:id="rId3"/>
+            </p:custDataLst>
+          </p:nvPr>
         </p:nvSpPr>
         <p:spPr>
           <a:xfrm>
@@ -6054,7 +6207,11 @@
             </a:extLst>
           </p:cNvPr>
           <p:cNvSpPr txBox="1"/>
-          <p:nvPr/>
+          <p:nvPr>
+            <p:custDataLst>
+              <p:tags r:id="rId4"/>
+            </p:custDataLst>
+          </p:nvPr>
         </p:nvSpPr>
         <p:spPr>
           <a:xfrm>
@@ -6601,6 +6758,9 @@
           </p:cNvSpPr>
           <p:nvPr>
             <p:ph type="title"/>
+            <p:custDataLst>
+              <p:tags r:id="rId1"/>
+            </p:custDataLst>
           </p:nvPr>
         </p:nvSpPr>
         <p:spPr/>
@@ -6629,6 +6789,9 @@
           </p:cNvSpPr>
           <p:nvPr>
             <p:ph sz="quarter" idx="10"/>
+            <p:custDataLst>
+              <p:tags r:id="rId2"/>
+            </p:custDataLst>
           </p:nvPr>
         </p:nvSpPr>
         <p:spPr>
@@ -6711,10 +6874,14 @@
           <p:cNvPicPr>
             <a:picLocks noChangeAspect="1" noChangeArrowheads="1"/>
           </p:cNvPicPr>
-          <p:nvPr/>
+          <p:nvPr>
+            <p:custDataLst>
+              <p:tags r:id="rId3"/>
+            </p:custDataLst>
+          </p:nvPr>
         </p:nvPicPr>
         <p:blipFill>
-          <a:blip r:embed="rId2"/>
+          <a:blip r:embed="rId12"/>
           <a:srcRect/>
           <a:stretch>
             <a:fillRect/>
@@ -6749,7 +6916,11 @@
           <p:cNvCxnSpPr>
             <a:cxnSpLocks noChangeShapeType="1"/>
           </p:cNvCxnSpPr>
-          <p:nvPr/>
+          <p:nvPr>
+            <p:custDataLst>
+              <p:tags r:id="rId4"/>
+            </p:custDataLst>
+          </p:nvPr>
         </p:nvCxnSpPr>
         <p:spPr bwMode="auto">
           <a:xfrm flipV="1">
@@ -6782,7 +6953,11 @@
           <p:cNvCxnSpPr>
             <a:cxnSpLocks noChangeShapeType="1"/>
           </p:cNvCxnSpPr>
-          <p:nvPr/>
+          <p:nvPr>
+            <p:custDataLst>
+              <p:tags r:id="rId5"/>
+            </p:custDataLst>
+          </p:nvPr>
         </p:nvCxnSpPr>
         <p:spPr bwMode="auto">
           <a:xfrm flipV="1">
@@ -6815,10 +6990,14 @@
           <p:cNvPicPr>
             <a:picLocks noChangeAspect="1" noChangeArrowheads="1"/>
           </p:cNvPicPr>
-          <p:nvPr/>
+          <p:nvPr>
+            <p:custDataLst>
+              <p:tags r:id="rId6"/>
+            </p:custDataLst>
+          </p:nvPr>
         </p:nvPicPr>
         <p:blipFill>
-          <a:blip r:embed="rId3"/>
+          <a:blip r:embed="rId13"/>
           <a:srcRect/>
           <a:stretch>
             <a:fillRect/>
@@ -6851,7 +7030,11 @@
             </a:extLst>
           </p:cNvPr>
           <p:cNvSpPr txBox="1"/>
-          <p:nvPr/>
+          <p:nvPr>
+            <p:custDataLst>
+              <p:tags r:id="rId7"/>
+            </p:custDataLst>
+          </p:nvPr>
         </p:nvSpPr>
         <p:spPr>
           <a:xfrm>
@@ -6885,7 +7068,7 @@
             </a:r>
             <a:r>
               <a:rPr lang="fr-CA" altLang="fr-FR" dirty="0"/>
-              <a:t>/</a:t>
+              <a:t>/,</a:t>
             </a:r>
             <a:r>
               <a:rPr lang="fr-CA" altLang="fr-FR" dirty="0" err="1"/>
@@ -6931,7 +7114,7 @@
             </a:r>
             <a:r>
               <a:rPr lang="fr-CA" altLang="fr-FR" dirty="0"/>
-              <a:t>/</a:t>
+              <a:t>/,</a:t>
             </a:r>
             <a:r>
               <a:rPr lang="fr-CA" altLang="fr-FR" dirty="0" err="1"/>
@@ -6973,10 +7156,14 @@
           <p:cNvPicPr>
             <a:picLocks noChangeAspect="1" noChangeArrowheads="1"/>
           </p:cNvPicPr>
-          <p:nvPr/>
+          <p:nvPr>
+            <p:custDataLst>
+              <p:tags r:id="rId8"/>
+            </p:custDataLst>
+          </p:nvPr>
         </p:nvPicPr>
         <p:blipFill>
-          <a:blip r:embed="rId4"/>
+          <a:blip r:embed="rId14"/>
           <a:srcRect/>
           <a:stretch>
             <a:fillRect/>
@@ -7009,7 +7196,11 @@
             </a:extLst>
           </p:cNvPr>
           <p:cNvSpPr txBox="1"/>
-          <p:nvPr/>
+          <p:nvPr>
+            <p:custDataLst>
+              <p:tags r:id="rId9"/>
+            </p:custDataLst>
+          </p:nvPr>
         </p:nvSpPr>
         <p:spPr>
           <a:xfrm>
@@ -7077,7 +7268,11 @@
             </a:extLst>
           </p:cNvPr>
           <p:cNvCxnSpPr/>
-          <p:nvPr/>
+          <p:nvPr>
+            <p:custDataLst>
+              <p:tags r:id="rId10"/>
+            </p:custDataLst>
+          </p:nvPr>
         </p:nvCxnSpPr>
         <p:spPr>
           <a:xfrm flipH="1">
@@ -7525,6 +7720,9 @@
           </p:cNvSpPr>
           <p:nvPr>
             <p:ph type="title"/>
+            <p:custDataLst>
+              <p:tags r:id="rId1"/>
+            </p:custDataLst>
           </p:nvPr>
         </p:nvSpPr>
         <p:spPr/>
@@ -7556,6 +7754,9 @@
           </p:cNvSpPr>
           <p:nvPr>
             <p:ph sz="quarter" idx="10"/>
+            <p:custDataLst>
+              <p:tags r:id="rId2"/>
+            </p:custDataLst>
           </p:nvPr>
         </p:nvSpPr>
         <p:spPr>
@@ -7622,7 +7823,11 @@
             </a:extLst>
           </p:cNvPr>
           <p:cNvSpPr txBox="1"/>
-          <p:nvPr/>
+          <p:nvPr>
+            <p:custDataLst>
+              <p:tags r:id="rId3"/>
+            </p:custDataLst>
+          </p:nvPr>
         </p:nvSpPr>
         <p:spPr>
           <a:xfrm>
@@ -7767,10 +7972,14 @@
           <p:cNvPicPr>
             <a:picLocks noChangeAspect="1" noChangeArrowheads="1"/>
           </p:cNvPicPr>
-          <p:nvPr/>
+          <p:nvPr>
+            <p:custDataLst>
+              <p:tags r:id="rId4"/>
+            </p:custDataLst>
+          </p:nvPr>
         </p:nvPicPr>
         <p:blipFill>
-          <a:blip r:embed="rId2"/>
+          <a:blip r:embed="rId6"/>
           <a:srcRect/>
           <a:stretch>
             <a:fillRect/>
@@ -8209,6 +8418,9 @@
           </p:cNvSpPr>
           <p:nvPr>
             <p:ph type="title"/>
+            <p:custDataLst>
+              <p:tags r:id="rId1"/>
+            </p:custDataLst>
           </p:nvPr>
         </p:nvSpPr>
         <p:spPr/>
@@ -8237,6 +8449,9 @@
           </p:cNvSpPr>
           <p:nvPr>
             <p:ph sz="quarter" idx="10"/>
+            <p:custDataLst>
+              <p:tags r:id="rId2"/>
+            </p:custDataLst>
           </p:nvPr>
         </p:nvSpPr>
         <p:spPr>
@@ -8279,7 +8494,7 @@
             </a:r>
             <a:r>
               <a:rPr lang="fr-CA" sz="1600" b="1" dirty="0"/>
-              <a:t>/</a:t>
+              <a:t>/,</a:t>
             </a:r>
             <a:r>
               <a:rPr lang="fr-CA" sz="1600" b="1" dirty="0" err="1"/>
@@ -8310,7 +8525,11 @@
             </a:extLst>
           </p:cNvPr>
           <p:cNvSpPr txBox="1"/>
-          <p:nvPr/>
+          <p:nvPr>
+            <p:custDataLst>
+              <p:tags r:id="rId3"/>
+            </p:custDataLst>
+          </p:nvPr>
         </p:nvSpPr>
         <p:spPr>
           <a:xfrm>
@@ -8347,7 +8566,11 @@
           <p:cNvSpPr>
             <a:spLocks noChangeArrowheads="1"/>
           </p:cNvSpPr>
-          <p:nvPr/>
+          <p:nvPr>
+            <p:custDataLst>
+              <p:tags r:id="rId4"/>
+            </p:custDataLst>
+          </p:nvPr>
         </p:nvSpPr>
         <p:spPr bwMode="auto">
           <a:xfrm>
@@ -8574,7 +8797,11 @@
             </a:extLst>
           </p:cNvPr>
           <p:cNvSpPr txBox="1"/>
-          <p:nvPr/>
+          <p:nvPr>
+            <p:custDataLst>
+              <p:tags r:id="rId5"/>
+            </p:custDataLst>
+          </p:nvPr>
         </p:nvSpPr>
         <p:spPr>
           <a:xfrm>
@@ -8605,7 +8832,7 @@
             </a:r>
             <a:r>
               <a:rPr lang="fr-CA" sz="1600" b="1" dirty="0"/>
-              <a:t>/</a:t>
+              <a:t>/,</a:t>
             </a:r>
             <a:r>
               <a:rPr lang="fr-CA" sz="1600" b="1" dirty="0" err="1"/>
@@ -8636,7 +8863,11 @@
             </a:extLst>
           </p:cNvPr>
           <p:cNvCxnSpPr/>
-          <p:nvPr/>
+          <p:nvPr>
+            <p:custDataLst>
+              <p:tags r:id="rId6"/>
+            </p:custDataLst>
+          </p:nvPr>
         </p:nvCxnSpPr>
         <p:spPr>
           <a:xfrm>
@@ -8969,6 +9200,9 @@
           </p:cNvSpPr>
           <p:nvPr>
             <p:ph type="title"/>
+            <p:custDataLst>
+              <p:tags r:id="rId1"/>
+            </p:custDataLst>
           </p:nvPr>
         </p:nvSpPr>
         <p:spPr/>
@@ -8993,6 +9227,9 @@
           </p:cNvSpPr>
           <p:nvPr>
             <p:ph idx="1"/>
+            <p:custDataLst>
+              <p:tags r:id="rId2"/>
+            </p:custDataLst>
           </p:nvPr>
         </p:nvSpPr>
         <p:spPr>
@@ -9101,7 +9338,7 @@
                   <a:schemeClr val="accent2"/>
                 </a:solidFill>
               </a:rPr>
-              <a:t>cat /</a:t>
+              <a:t>cat /,</a:t>
             </a:r>
             <a:r>
               <a:rPr lang="fr-CA" altLang="fr-FR" sz="6400" b="1" dirty="0" err="1">
@@ -9185,7 +9422,11 @@
           <p:cNvSpPr txBox="1">
             <a:spLocks noChangeArrowheads="1"/>
           </p:cNvSpPr>
-          <p:nvPr/>
+          <p:nvPr>
+            <p:custDataLst>
+              <p:tags r:id="rId3"/>
+            </p:custDataLst>
+          </p:nvPr>
         </p:nvSpPr>
         <p:spPr bwMode="auto">
           <a:xfrm>
@@ -9464,7 +9705,11 @@
         <p:nvGrpSpPr>
           <p:cNvPr id="7" name="Groupe 21"/>
           <p:cNvGrpSpPr/>
-          <p:nvPr/>
+          <p:nvPr>
+            <p:custDataLst>
+              <p:tags r:id="rId4"/>
+            </p:custDataLst>
+          </p:nvPr>
         </p:nvGrpSpPr>
         <p:grpSpPr>
           <a:xfrm>
@@ -9951,7 +10196,7 @@
               <p:nvPr/>
             </p:nvPicPr>
             <p:blipFill>
-              <a:blip r:embed="rId2" cstate="print"/>
+              <a:blip r:embed="rId7" cstate="print"/>
               <a:srcRect/>
               <a:stretch>
                 <a:fillRect/>
@@ -9981,7 +10226,7 @@
               <p:nvPr/>
             </p:nvPicPr>
             <p:blipFill>
-              <a:blip r:embed="rId3" cstate="print"/>
+              <a:blip r:embed="rId8" cstate="print"/>
               <a:srcRect/>
               <a:stretch>
                 <a:fillRect/>
@@ -10011,7 +10256,7 @@
               <p:nvPr/>
             </p:nvPicPr>
             <p:blipFill>
-              <a:blip r:embed="rId4" cstate="print"/>
+              <a:blip r:embed="rId9" cstate="print"/>
               <a:srcRect/>
               <a:stretch>
                 <a:fillRect/>
@@ -10041,7 +10286,7 @@
               <p:nvPr/>
             </p:nvPicPr>
             <p:blipFill>
-              <a:blip r:embed="rId5" cstate="print"/>
+              <a:blip r:embed="rId10" cstate="print"/>
               <a:srcRect/>
               <a:stretch>
                 <a:fillRect/>
@@ -10071,7 +10316,7 @@
               <p:nvPr/>
             </p:nvPicPr>
             <p:blipFill>
-              <a:blip r:embed="rId5" cstate="print"/>
+              <a:blip r:embed="rId10" cstate="print"/>
               <a:srcRect/>
               <a:stretch>
                 <a:fillRect/>
@@ -10102,10 +10347,14 @@
           <p:cNvPicPr>
             <a:picLocks noChangeAspect="1" noChangeArrowheads="1"/>
           </p:cNvPicPr>
-          <p:nvPr/>
+          <p:nvPr>
+            <p:custDataLst>
+              <p:tags r:id="rId5"/>
+            </p:custDataLst>
+          </p:nvPr>
         </p:nvPicPr>
         <p:blipFill>
-          <a:blip r:embed="rId6"/>
+          <a:blip r:embed="rId11"/>
           <a:srcRect/>
           <a:stretch>
             <a:fillRect/>
@@ -10437,6 +10686,9 @@
           </p:cNvSpPr>
           <p:nvPr>
             <p:ph type="title"/>
+            <p:custDataLst>
+              <p:tags r:id="rId1"/>
+            </p:custDataLst>
           </p:nvPr>
         </p:nvSpPr>
         <p:spPr/>
@@ -10465,6 +10717,9 @@
           </p:cNvSpPr>
           <p:nvPr>
             <p:ph sz="quarter" idx="10"/>
+            <p:custDataLst>
+              <p:tags r:id="rId2"/>
+            </p:custDataLst>
           </p:nvPr>
         </p:nvSpPr>
         <p:spPr/>
@@ -10509,10 +10764,14 @@
           <p:cNvPicPr>
             <a:picLocks noChangeAspect="1"/>
           </p:cNvPicPr>
-          <p:nvPr/>
+          <p:nvPr>
+            <p:custDataLst>
+              <p:tags r:id="rId3"/>
+            </p:custDataLst>
+          </p:nvPr>
         </p:nvPicPr>
         <p:blipFill>
-          <a:blip r:embed="rId2">
+          <a:blip r:embed="rId5">
             <a:extLst>
               <a:ext uri="{28A0092B-C50C-407E-A947-70E740481C1C}">
                 <a14:useLocalDpi xmlns:a14="http://schemas.microsoft.com/office/drawing/2010/main" val="0"/>
@@ -10577,6 +10836,9 @@
           </p:cNvSpPr>
           <p:nvPr>
             <p:ph type="title"/>
+            <p:custDataLst>
+              <p:tags r:id="rId1"/>
+            </p:custDataLst>
           </p:nvPr>
         </p:nvSpPr>
         <p:spPr/>
@@ -10605,6 +10867,9 @@
           </p:cNvSpPr>
           <p:nvPr>
             <p:ph sz="quarter" idx="10"/>
+            <p:custDataLst>
+              <p:tags r:id="rId2"/>
+            </p:custDataLst>
           </p:nvPr>
         </p:nvSpPr>
         <p:spPr>
@@ -10670,10 +10935,14 @@
           <p:cNvPicPr>
             <a:picLocks noChangeAspect="1" noChangeArrowheads="1"/>
           </p:cNvPicPr>
-          <p:nvPr/>
+          <p:nvPr>
+            <p:custDataLst>
+              <p:tags r:id="rId3"/>
+            </p:custDataLst>
+          </p:nvPr>
         </p:nvPicPr>
         <p:blipFill>
-          <a:blip r:embed="rId2"/>
+          <a:blip r:embed="rId7"/>
           <a:srcRect/>
           <a:stretch>
             <a:fillRect/>
@@ -10706,7 +10975,11 @@
             </a:extLst>
           </p:cNvPr>
           <p:cNvCxnSpPr/>
-          <p:nvPr/>
+          <p:nvPr>
+            <p:custDataLst>
+              <p:tags r:id="rId4"/>
+            </p:custDataLst>
+          </p:nvPr>
         </p:nvCxnSpPr>
         <p:spPr>
           <a:xfrm flipV="1">
@@ -10747,10 +11020,14 @@
           <p:cNvPicPr>
             <a:picLocks noChangeAspect="1"/>
           </p:cNvPicPr>
-          <p:nvPr/>
+          <p:nvPr>
+            <p:custDataLst>
+              <p:tags r:id="rId5"/>
+            </p:custDataLst>
+          </p:nvPr>
         </p:nvPicPr>
         <p:blipFill>
-          <a:blip r:embed="rId3"/>
+          <a:blip r:embed="rId8"/>
           <a:stretch>
             <a:fillRect/>
           </a:stretch>
@@ -11170,6 +11447,9 @@
           </p:cNvSpPr>
           <p:nvPr>
             <p:ph type="title"/>
+            <p:custDataLst>
+              <p:tags r:id="rId1"/>
+            </p:custDataLst>
           </p:nvPr>
         </p:nvSpPr>
         <p:spPr/>
@@ -11194,6 +11474,9 @@
           </p:cNvSpPr>
           <p:nvPr>
             <p:ph idx="1"/>
+            <p:custDataLst>
+              <p:tags r:id="rId2"/>
+            </p:custDataLst>
           </p:nvPr>
         </p:nvSpPr>
         <p:spPr>
@@ -11465,6 +11748,9 @@
           </p:cNvSpPr>
           <p:nvPr>
             <p:ph type="title"/>
+            <p:custDataLst>
+              <p:tags r:id="rId1"/>
+            </p:custDataLst>
           </p:nvPr>
         </p:nvSpPr>
         <p:spPr/>
@@ -11493,6 +11779,9 @@
           </p:cNvSpPr>
           <p:nvPr>
             <p:ph idx="1"/>
+            <p:custDataLst>
+              <p:tags r:id="rId2"/>
+            </p:custDataLst>
           </p:nvPr>
         </p:nvSpPr>
         <p:spPr>
@@ -11560,10 +11849,14 @@
           <p:cNvPicPr>
             <a:picLocks noChangeAspect="1"/>
           </p:cNvPicPr>
-          <p:nvPr/>
+          <p:nvPr>
+            <p:custDataLst>
+              <p:tags r:id="rId3"/>
+            </p:custDataLst>
+          </p:nvPr>
         </p:nvPicPr>
         <p:blipFill>
-          <a:blip r:embed="rId2"/>
+          <a:blip r:embed="rId5"/>
           <a:stretch>
             <a:fillRect/>
           </a:stretch>
@@ -11896,6 +12189,9 @@
           </p:cNvSpPr>
           <p:nvPr>
             <p:ph type="title"/>
+            <p:custDataLst>
+              <p:tags r:id="rId1"/>
+            </p:custDataLst>
           </p:nvPr>
         </p:nvSpPr>
         <p:spPr>
@@ -11930,6 +12226,9 @@
           </p:cNvSpPr>
           <p:nvPr>
             <p:ph idx="1"/>
+            <p:custDataLst>
+              <p:tags r:id="rId2"/>
+            </p:custDataLst>
           </p:nvPr>
         </p:nvSpPr>
         <p:spPr>
@@ -11975,10 +12274,14 @@
           <p:cNvPicPr>
             <a:picLocks noChangeAspect="1"/>
           </p:cNvPicPr>
-          <p:nvPr/>
+          <p:nvPr>
+            <p:custDataLst>
+              <p:tags r:id="rId3"/>
+            </p:custDataLst>
+          </p:nvPr>
         </p:nvPicPr>
         <p:blipFill>
-          <a:blip r:embed="rId2"/>
+          <a:blip r:embed="rId13"/>
           <a:stretch>
             <a:fillRect/>
           </a:stretch>
@@ -12003,7 +12306,11 @@
             </a:extLst>
           </p:cNvPr>
           <p:cNvGrpSpPr/>
-          <p:nvPr/>
+          <p:nvPr>
+            <p:custDataLst>
+              <p:tags r:id="rId4"/>
+            </p:custDataLst>
+          </p:nvPr>
         </p:nvGrpSpPr>
         <p:grpSpPr>
           <a:xfrm>
@@ -12104,7 +12411,11 @@
             </a:extLst>
           </p:cNvPr>
           <p:cNvGrpSpPr/>
-          <p:nvPr/>
+          <p:nvPr>
+            <p:custDataLst>
+              <p:tags r:id="rId5"/>
+            </p:custDataLst>
+          </p:nvPr>
         </p:nvGrpSpPr>
         <p:grpSpPr>
           <a:xfrm>
@@ -12208,7 +12519,11 @@
             </a:extLst>
           </p:cNvPr>
           <p:cNvGrpSpPr/>
-          <p:nvPr/>
+          <p:nvPr>
+            <p:custDataLst>
+              <p:tags r:id="rId6"/>
+            </p:custDataLst>
+          </p:nvPr>
         </p:nvGrpSpPr>
         <p:grpSpPr>
           <a:xfrm>
@@ -12315,7 +12630,11 @@
             </a:extLst>
           </p:cNvPr>
           <p:cNvSpPr/>
-          <p:nvPr/>
+          <p:nvPr>
+            <p:custDataLst>
+              <p:tags r:id="rId7"/>
+            </p:custDataLst>
+          </p:nvPr>
         </p:nvSpPr>
         <p:spPr>
           <a:xfrm>
@@ -12362,7 +12681,11 @@
             <a:stCxn id="5" idx="3"/>
             <a:endCxn id="26" idx="1"/>
           </p:cNvCxnSpPr>
-          <p:nvPr/>
+          <p:nvPr>
+            <p:custDataLst>
+              <p:tags r:id="rId8"/>
+            </p:custDataLst>
+          </p:nvPr>
         </p:nvCxnSpPr>
         <p:spPr>
           <a:xfrm>
@@ -12401,7 +12724,11 @@
             </a:extLst>
           </p:cNvPr>
           <p:cNvSpPr/>
-          <p:nvPr/>
+          <p:nvPr>
+            <p:custDataLst>
+              <p:tags r:id="rId9"/>
+            </p:custDataLst>
+          </p:nvPr>
         </p:nvSpPr>
         <p:spPr>
           <a:xfrm>
@@ -12451,7 +12778,11 @@
           <p:cNvCxnSpPr>
             <a:stCxn id="17" idx="3"/>
           </p:cNvCxnSpPr>
-          <p:nvPr/>
+          <p:nvPr>
+            <p:custDataLst>
+              <p:tags r:id="rId10"/>
+            </p:custDataLst>
+          </p:nvPr>
         </p:nvCxnSpPr>
         <p:spPr>
           <a:xfrm flipV="1">
@@ -12493,7 +12824,11 @@
             <a:cxnSpLocks/>
             <a:stCxn id="21" idx="3"/>
           </p:cNvCxnSpPr>
-          <p:nvPr/>
+          <p:nvPr>
+            <p:custDataLst>
+              <p:tags r:id="rId11"/>
+            </p:custDataLst>
+          </p:nvPr>
         </p:nvCxnSpPr>
         <p:spPr>
           <a:xfrm flipV="1">
@@ -12971,6 +13306,9 @@
           </p:cNvSpPr>
           <p:nvPr>
             <p:ph idx="1"/>
+            <p:custDataLst>
+              <p:tags r:id="rId1"/>
+            </p:custDataLst>
           </p:nvPr>
         </p:nvSpPr>
         <p:spPr>
@@ -13064,6 +13402,9 @@
           </p:cNvSpPr>
           <p:nvPr>
             <p:ph type="title"/>
+            <p:custDataLst>
+              <p:tags r:id="rId2"/>
+            </p:custDataLst>
           </p:nvPr>
         </p:nvSpPr>
         <p:spPr/>
@@ -13086,7 +13427,11 @@
           <p:cNvSpPr>
             <a:spLocks noChangeArrowheads="1"/>
           </p:cNvSpPr>
-          <p:nvPr/>
+          <p:nvPr>
+            <p:custDataLst>
+              <p:tags r:id="rId3"/>
+            </p:custDataLst>
+          </p:nvPr>
         </p:nvSpPr>
         <p:spPr bwMode="auto">
           <a:xfrm>
@@ -13127,7 +13472,11 @@
           <p:cNvGraphicFramePr>
             <a:graphicFrameLocks noGrp="1"/>
           </p:cNvGraphicFramePr>
-          <p:nvPr/>
+          <p:nvPr>
+            <p:custDataLst>
+              <p:tags r:id="rId4"/>
+            </p:custDataLst>
+          </p:nvPr>
         </p:nvGraphicFramePr>
         <p:xfrm>
           <a:off x="2615513" y="1274273"/>
@@ -14495,7 +14844,11 @@
           <p:cNvSpPr>
             <a:spLocks noChangeArrowheads="1"/>
           </p:cNvSpPr>
-          <p:nvPr/>
+          <p:nvPr>
+            <p:custDataLst>
+              <p:tags r:id="rId5"/>
+            </p:custDataLst>
+          </p:nvPr>
         </p:nvSpPr>
         <p:spPr bwMode="auto">
           <a:xfrm>
@@ -14530,7 +14883,11 @@
           <p:cNvSpPr txBox="1">
             <a:spLocks noChangeArrowheads="1"/>
           </p:cNvSpPr>
-          <p:nvPr/>
+          <p:nvPr>
+            <p:custDataLst>
+              <p:tags r:id="rId6"/>
+            </p:custDataLst>
+          </p:nvPr>
         </p:nvSpPr>
         <p:spPr bwMode="auto">
           <a:xfrm>
@@ -14657,7 +15014,11 @@
           <p:cNvSpPr txBox="1">
             <a:spLocks noChangeArrowheads="1"/>
           </p:cNvSpPr>
-          <p:nvPr/>
+          <p:nvPr>
+            <p:custDataLst>
+              <p:tags r:id="rId7"/>
+            </p:custDataLst>
+          </p:nvPr>
         </p:nvSpPr>
         <p:spPr bwMode="auto">
           <a:xfrm>
@@ -14702,7 +15063,11 @@
         <p:nvGrpSpPr>
           <p:cNvPr id="41" name="Groupe 40"/>
           <p:cNvGrpSpPr/>
-          <p:nvPr/>
+          <p:nvPr>
+            <p:custDataLst>
+              <p:tags r:id="rId8"/>
+            </p:custDataLst>
+          </p:nvPr>
         </p:nvGrpSpPr>
         <p:grpSpPr>
           <a:xfrm>
@@ -15015,7 +15380,11 @@
             </a:extLst>
           </p:cNvPr>
           <p:cNvSpPr txBox="1"/>
-          <p:nvPr/>
+          <p:nvPr>
+            <p:custDataLst>
+              <p:tags r:id="rId9"/>
+            </p:custDataLst>
+          </p:nvPr>
         </p:nvSpPr>
         <p:spPr>
           <a:xfrm>
@@ -15415,6 +15784,9 @@
           </p:cNvSpPr>
           <p:nvPr>
             <p:ph type="title"/>
+            <p:custDataLst>
+              <p:tags r:id="rId1"/>
+            </p:custDataLst>
           </p:nvPr>
         </p:nvSpPr>
         <p:spPr/>
@@ -15443,6 +15815,9 @@
           </p:cNvSpPr>
           <p:nvPr>
             <p:ph idx="1"/>
+            <p:custDataLst>
+              <p:tags r:id="rId2"/>
+            </p:custDataLst>
           </p:nvPr>
         </p:nvSpPr>
         <p:spPr>
@@ -15508,10 +15883,14 @@
           <p:cNvPicPr>
             <a:picLocks noChangeAspect="1"/>
           </p:cNvPicPr>
-          <p:nvPr/>
+          <p:nvPr>
+            <p:custDataLst>
+              <p:tags r:id="rId3"/>
+            </p:custDataLst>
+          </p:nvPr>
         </p:nvPicPr>
         <p:blipFill>
-          <a:blip r:embed="rId2"/>
+          <a:blip r:embed="rId9"/>
           <a:stretch>
             <a:fillRect/>
           </a:stretch>
@@ -15536,7 +15915,11 @@
             </a:extLst>
           </p:cNvPr>
           <p:cNvSpPr txBox="1"/>
-          <p:nvPr/>
+          <p:nvPr>
+            <p:custDataLst>
+              <p:tags r:id="rId4"/>
+            </p:custDataLst>
+          </p:nvPr>
         </p:nvSpPr>
         <p:spPr>
           <a:xfrm>
@@ -15571,7 +15954,11 @@
             </a:extLst>
           </p:cNvPr>
           <p:cNvSpPr txBox="1"/>
-          <p:nvPr/>
+          <p:nvPr>
+            <p:custDataLst>
+              <p:tags r:id="rId5"/>
+            </p:custDataLst>
+          </p:nvPr>
         </p:nvSpPr>
         <p:spPr>
           <a:xfrm>
@@ -15608,7 +15995,11 @@
           <p:cNvCxnSpPr>
             <a:stCxn id="8" idx="3"/>
           </p:cNvCxnSpPr>
-          <p:nvPr/>
+          <p:nvPr>
+            <p:custDataLst>
+              <p:tags r:id="rId6"/>
+            </p:custDataLst>
+          </p:nvPr>
         </p:nvCxnSpPr>
         <p:spPr>
           <a:xfrm>
@@ -15649,7 +16040,11 @@
           <p:cNvCxnSpPr>
             <a:stCxn id="9" idx="3"/>
           </p:cNvCxnSpPr>
-          <p:nvPr/>
+          <p:nvPr>
+            <p:custDataLst>
+              <p:tags r:id="rId7"/>
+            </p:custDataLst>
+          </p:nvPr>
         </p:nvCxnSpPr>
         <p:spPr>
           <a:xfrm flipV="1">
@@ -15998,6 +16393,9 @@
           </p:cNvSpPr>
           <p:nvPr>
             <p:ph type="title"/>
+            <p:custDataLst>
+              <p:tags r:id="rId1"/>
+            </p:custDataLst>
           </p:nvPr>
         </p:nvSpPr>
         <p:spPr/>
@@ -16022,7 +16420,11 @@
             </a:extLst>
           </p:cNvPr>
           <p:cNvSpPr txBox="1"/>
-          <p:nvPr/>
+          <p:nvPr>
+            <p:custDataLst>
+              <p:tags r:id="rId2"/>
+            </p:custDataLst>
+          </p:nvPr>
         </p:nvSpPr>
         <p:spPr>
           <a:xfrm>
@@ -16197,10 +16599,14 @@
           <p:cNvPicPr>
             <a:picLocks noChangeAspect="1"/>
           </p:cNvPicPr>
-          <p:nvPr/>
+          <p:nvPr>
+            <p:custDataLst>
+              <p:tags r:id="rId3"/>
+            </p:custDataLst>
+          </p:nvPr>
         </p:nvPicPr>
         <p:blipFill>
-          <a:blip r:embed="rId2"/>
+          <a:blip r:embed="rId5"/>
           <a:stretch>
             <a:fillRect/>
           </a:stretch>
@@ -16607,6 +17013,9 @@
           </p:cNvSpPr>
           <p:nvPr>
             <p:ph type="title"/>
+            <p:custDataLst>
+              <p:tags r:id="rId1"/>
+            </p:custDataLst>
           </p:nvPr>
         </p:nvSpPr>
         <p:spPr/>
@@ -16635,6 +17044,9 @@
           </p:cNvSpPr>
           <p:nvPr>
             <p:ph sz="quarter" idx="10"/>
+            <p:custDataLst>
+              <p:tags r:id="rId2"/>
+            </p:custDataLst>
           </p:nvPr>
         </p:nvSpPr>
         <p:spPr/>
@@ -16694,10 +17106,14 @@
           <p:cNvPicPr>
             <a:picLocks noChangeAspect="1"/>
           </p:cNvPicPr>
-          <p:nvPr/>
+          <p:nvPr>
+            <p:custDataLst>
+              <p:tags r:id="rId3"/>
+            </p:custDataLst>
+          </p:nvPr>
         </p:nvPicPr>
         <p:blipFill>
-          <a:blip r:embed="rId2"/>
+          <a:blip r:embed="rId5"/>
           <a:stretch>
             <a:fillRect/>
           </a:stretch>
@@ -16756,6 +17172,9 @@
           </p:cNvSpPr>
           <p:nvPr>
             <p:ph type="title"/>
+            <p:custDataLst>
+              <p:tags r:id="rId1"/>
+            </p:custDataLst>
           </p:nvPr>
         </p:nvSpPr>
         <p:spPr/>
@@ -16784,6 +17203,9 @@
           </p:cNvSpPr>
           <p:nvPr>
             <p:ph sz="quarter" idx="10"/>
+            <p:custDataLst>
+              <p:tags r:id="rId2"/>
+            </p:custDataLst>
           </p:nvPr>
         </p:nvSpPr>
         <p:spPr/>
@@ -16845,7 +17267,11 @@
           <p:cNvSpPr>
             <a:spLocks noChangeArrowheads="1"/>
           </p:cNvSpPr>
-          <p:nvPr/>
+          <p:nvPr>
+            <p:custDataLst>
+              <p:tags r:id="rId3"/>
+            </p:custDataLst>
+          </p:nvPr>
         </p:nvSpPr>
         <p:spPr bwMode="auto">
           <a:xfrm>
@@ -17016,7 +17442,11 @@
           <p:cNvSpPr>
             <a:spLocks noChangeArrowheads="1"/>
           </p:cNvSpPr>
-          <p:nvPr/>
+          <p:nvPr>
+            <p:custDataLst>
+              <p:tags r:id="rId4"/>
+            </p:custDataLst>
+          </p:nvPr>
         </p:nvSpPr>
         <p:spPr bwMode="auto">
           <a:xfrm>
@@ -17411,6 +17841,9 @@
           </p:cNvSpPr>
           <p:nvPr>
             <p:ph type="title"/>
+            <p:custDataLst>
+              <p:tags r:id="rId1"/>
+            </p:custDataLst>
           </p:nvPr>
         </p:nvSpPr>
         <p:spPr/>
@@ -17442,6 +17875,9 @@
           </p:cNvSpPr>
           <p:nvPr>
             <p:ph sz="quarter" idx="10"/>
+            <p:custDataLst>
+              <p:tags r:id="rId2"/>
+            </p:custDataLst>
           </p:nvPr>
         </p:nvSpPr>
         <p:spPr>
@@ -17507,7 +17943,7 @@
             </a:r>
             <a:r>
               <a:rPr lang="fr-CA" b="1" dirty="0"/>
-              <a:t>/</a:t>
+              <a:t>/,</a:t>
             </a:r>
             <a:r>
               <a:rPr lang="fr-CA" b="1" dirty="0" err="1"/>
@@ -17527,7 +17963,7 @@
             </a:r>
             <a:r>
               <a:rPr lang="fr-CA" b="1" dirty="0"/>
-              <a:t>/</a:t>
+              <a:t>/,</a:t>
             </a:r>
             <a:r>
               <a:rPr lang="fr-CA" b="1" dirty="0" err="1"/>
@@ -17560,7 +17996,11 @@
           <p:cNvSpPr>
             <a:spLocks noChangeArrowheads="1"/>
           </p:cNvSpPr>
-          <p:nvPr/>
+          <p:nvPr>
+            <p:custDataLst>
+              <p:tags r:id="rId3"/>
+            </p:custDataLst>
+          </p:nvPr>
         </p:nvSpPr>
         <p:spPr bwMode="auto">
           <a:xfrm>
@@ -17635,7 +18075,7 @@
                 <a:effectLst/>
                 <a:latin typeface="Arial Unicode MS"/>
               </a:rPr>
-              <a:t>$ ls -l /</a:t>
+              <a:t>$ ls -l /,</a:t>
             </a:r>
             <a:r>
               <a:rPr kumimoji="0" lang="fr-FR" altLang="fr-FR" b="0" i="0" u="none" strike="noStrike" cap="none" normalizeH="0" baseline="0" dirty="0" err="1">
@@ -17796,7 +18236,7 @@
                 <a:effectLst/>
                 <a:latin typeface="Arial Unicode MS"/>
               </a:rPr>
-              <a:t> 24 10:35 /</a:t>
+              <a:t> 24 10:35 /,</a:t>
             </a:r>
             <a:r>
               <a:rPr kumimoji="0" lang="fr-FR" altLang="fr-FR" b="0" i="0" u="none" strike="noStrike" cap="none" normalizeH="0" baseline="0" dirty="0" err="1">
@@ -17872,7 +18312,11 @@
             </a:extLst>
           </p:cNvPr>
           <p:cNvSpPr txBox="1"/>
-          <p:nvPr/>
+          <p:nvPr>
+            <p:custDataLst>
+              <p:tags r:id="rId4"/>
+            </p:custDataLst>
+          </p:nvPr>
         </p:nvSpPr>
         <p:spPr>
           <a:xfrm>
@@ -17915,7 +18359,11 @@
             </a:extLst>
           </p:cNvPr>
           <p:cNvSpPr/>
-          <p:nvPr/>
+          <p:nvPr>
+            <p:custDataLst>
+              <p:tags r:id="rId5"/>
+            </p:custDataLst>
+          </p:nvPr>
         </p:nvSpPr>
         <p:spPr>
           <a:xfrm>
@@ -17983,7 +18431,11 @@
           <p:cNvSpPr>
             <a:spLocks noChangeArrowheads="1"/>
           </p:cNvSpPr>
-          <p:nvPr/>
+          <p:nvPr>
+            <p:custDataLst>
+              <p:tags r:id="rId6"/>
+            </p:custDataLst>
+          </p:nvPr>
         </p:nvSpPr>
         <p:spPr bwMode="auto">
           <a:xfrm>
@@ -18321,7 +18773,11 @@
             </a:extLst>
           </p:cNvPr>
           <p:cNvSpPr/>
-          <p:nvPr/>
+          <p:nvPr>
+            <p:custDataLst>
+              <p:tags r:id="rId7"/>
+            </p:custDataLst>
+          </p:nvPr>
         </p:nvSpPr>
         <p:spPr>
           <a:xfrm>
@@ -18405,6 +18861,9 @@
           </p:cNvSpPr>
           <p:nvPr>
             <p:ph type="title"/>
+            <p:custDataLst>
+              <p:tags r:id="rId1"/>
+            </p:custDataLst>
           </p:nvPr>
         </p:nvSpPr>
         <p:spPr/>
@@ -18436,6 +18895,9 @@
           </p:cNvSpPr>
           <p:nvPr>
             <p:ph sz="quarter" idx="10"/>
+            <p:custDataLst>
+              <p:tags r:id="rId2"/>
+            </p:custDataLst>
           </p:nvPr>
         </p:nvSpPr>
         <p:spPr>
@@ -18471,7 +18933,11 @@
             </a:extLst>
           </p:cNvPr>
           <p:cNvSpPr/>
-          <p:nvPr/>
+          <p:nvPr>
+            <p:custDataLst>
+              <p:tags r:id="rId3"/>
+            </p:custDataLst>
+          </p:nvPr>
         </p:nvSpPr>
         <p:spPr>
           <a:xfrm>
@@ -18607,7 +19073,11 @@
             </a:extLst>
           </p:cNvPr>
           <p:cNvSpPr/>
-          <p:nvPr/>
+          <p:nvPr>
+            <p:custDataLst>
+              <p:tags r:id="rId4"/>
+            </p:custDataLst>
+          </p:nvPr>
         </p:nvSpPr>
         <p:spPr>
           <a:xfrm>
@@ -18651,10 +19121,14 @@
           <p:cNvPicPr>
             <a:picLocks noChangeAspect="1"/>
           </p:cNvPicPr>
-          <p:nvPr/>
+          <p:nvPr>
+            <p:custDataLst>
+              <p:tags r:id="rId5"/>
+            </p:custDataLst>
+          </p:nvPr>
         </p:nvPicPr>
         <p:blipFill>
-          <a:blip r:embed="rId2"/>
+          <a:blip r:embed="rId8"/>
           <a:stretch>
             <a:fillRect/>
           </a:stretch>
@@ -18681,10 +19155,14 @@
           <p:cNvPicPr>
             <a:picLocks noChangeAspect="1"/>
           </p:cNvPicPr>
-          <p:nvPr/>
+          <p:nvPr>
+            <p:custDataLst>
+              <p:tags r:id="rId6"/>
+            </p:custDataLst>
+          </p:nvPr>
         </p:nvPicPr>
         <p:blipFill>
-          <a:blip r:embed="rId3"/>
+          <a:blip r:embed="rId9"/>
           <a:stretch>
             <a:fillRect/>
           </a:stretch>
@@ -18743,6 +19221,9 @@
           </p:cNvSpPr>
           <p:nvPr>
             <p:ph type="title"/>
+            <p:custDataLst>
+              <p:tags r:id="rId1"/>
+            </p:custDataLst>
           </p:nvPr>
         </p:nvSpPr>
         <p:spPr/>
@@ -18772,6 +19253,9 @@
           </p:cNvSpPr>
           <p:nvPr>
             <p:ph sz="quarter" idx="10"/>
+            <p:custDataLst>
+              <p:tags r:id="rId2"/>
+            </p:custDataLst>
           </p:nvPr>
         </p:nvSpPr>
         <p:spPr>
@@ -18855,7 +19339,11 @@
             </a:extLst>
           </p:cNvPr>
           <p:cNvSpPr/>
-          <p:nvPr/>
+          <p:nvPr>
+            <p:custDataLst>
+              <p:tags r:id="rId3"/>
+            </p:custDataLst>
+          </p:nvPr>
         </p:nvSpPr>
         <p:spPr>
           <a:xfrm>
@@ -19068,6 +19556,9 @@
           </p:cNvSpPr>
           <p:nvPr>
             <p:ph type="title"/>
+            <p:custDataLst>
+              <p:tags r:id="rId1"/>
+            </p:custDataLst>
           </p:nvPr>
         </p:nvSpPr>
         <p:spPr/>
@@ -19105,6 +19596,9 @@
           </p:cNvSpPr>
           <p:nvPr>
             <p:ph sz="quarter" idx="10"/>
+            <p:custDataLst>
+              <p:tags r:id="rId2"/>
+            </p:custDataLst>
           </p:nvPr>
         </p:nvSpPr>
         <p:spPr/>
@@ -19137,7 +19631,11 @@
             </a:extLst>
           </p:cNvPr>
           <p:cNvSpPr txBox="1"/>
-          <p:nvPr/>
+          <p:nvPr>
+            <p:custDataLst>
+              <p:tags r:id="rId3"/>
+            </p:custDataLst>
+          </p:nvPr>
         </p:nvSpPr>
         <p:spPr>
           <a:xfrm>
@@ -19245,7 +19743,11 @@
             </a:extLst>
           </p:cNvPr>
           <p:cNvSpPr txBox="1"/>
-          <p:nvPr/>
+          <p:nvPr>
+            <p:custDataLst>
+              <p:tags r:id="rId4"/>
+            </p:custDataLst>
+          </p:nvPr>
         </p:nvSpPr>
         <p:spPr>
           <a:xfrm>
@@ -19345,7 +19847,11 @@
             </a:extLst>
           </p:cNvPr>
           <p:cNvSpPr/>
-          <p:nvPr/>
+          <p:nvPr>
+            <p:custDataLst>
+              <p:tags r:id="rId5"/>
+            </p:custDataLst>
+          </p:nvPr>
         </p:nvSpPr>
         <p:spPr>
           <a:xfrm>
@@ -19416,6 +19922,9 @@
           </p:cNvSpPr>
           <p:nvPr>
             <p:ph type="title"/>
+            <p:custDataLst>
+              <p:tags r:id="rId1"/>
+            </p:custDataLst>
           </p:nvPr>
         </p:nvSpPr>
         <p:spPr/>
@@ -19451,6 +19960,9 @@
           </p:cNvSpPr>
           <p:nvPr>
             <p:ph sz="quarter" idx="10"/>
+            <p:custDataLst>
+              <p:tags r:id="rId2"/>
+            </p:custDataLst>
           </p:nvPr>
         </p:nvSpPr>
         <p:spPr>
@@ -19508,7 +20020,11 @@
           <p:cNvSpPr>
             <a:spLocks noChangeArrowheads="1"/>
           </p:cNvSpPr>
-          <p:nvPr/>
+          <p:nvPr>
+            <p:custDataLst>
+              <p:tags r:id="rId3"/>
+            </p:custDataLst>
+          </p:nvPr>
         </p:nvSpPr>
         <p:spPr bwMode="auto">
           <a:xfrm>
@@ -19762,7 +20278,11 @@
             </a:extLst>
           </p:cNvPr>
           <p:cNvSpPr txBox="1"/>
-          <p:nvPr/>
+          <p:nvPr>
+            <p:custDataLst>
+              <p:tags r:id="rId4"/>
+            </p:custDataLst>
+          </p:nvPr>
         </p:nvSpPr>
         <p:spPr>
           <a:xfrm>
@@ -19815,7 +20335,11 @@
           <p:cNvSpPr>
             <a:spLocks noChangeArrowheads="1"/>
           </p:cNvSpPr>
-          <p:nvPr/>
+          <p:nvPr>
+            <p:custDataLst>
+              <p:tags r:id="rId5"/>
+            </p:custDataLst>
+          </p:nvPr>
         </p:nvSpPr>
         <p:spPr bwMode="auto">
           <a:xfrm>
@@ -20188,7 +20712,11 @@
             </a:extLst>
           </p:cNvPr>
           <p:cNvSpPr/>
-          <p:nvPr/>
+          <p:nvPr>
+            <p:custDataLst>
+              <p:tags r:id="rId6"/>
+            </p:custDataLst>
+          </p:nvPr>
         </p:nvSpPr>
         <p:spPr>
           <a:xfrm>
@@ -20280,6 +20808,9 @@
           </p:cNvSpPr>
           <p:nvPr>
             <p:ph type="title"/>
+            <p:custDataLst>
+              <p:tags r:id="rId1"/>
+            </p:custDataLst>
           </p:nvPr>
         </p:nvSpPr>
         <p:spPr/>
@@ -20311,6 +20842,9 @@
           </p:cNvSpPr>
           <p:nvPr>
             <p:ph sz="quarter" idx="10"/>
+            <p:custDataLst>
+              <p:tags r:id="rId2"/>
+            </p:custDataLst>
           </p:nvPr>
         </p:nvSpPr>
         <p:spPr>
@@ -20349,10 +20883,14 @@
           <p:cNvPicPr>
             <a:picLocks noChangeAspect="1"/>
           </p:cNvPicPr>
-          <p:nvPr/>
+          <p:nvPr>
+            <p:custDataLst>
+              <p:tags r:id="rId3"/>
+            </p:custDataLst>
+          </p:nvPr>
         </p:nvPicPr>
         <p:blipFill>
-          <a:blip r:embed="rId2"/>
+          <a:blip r:embed="rId5"/>
           <a:stretch>
             <a:fillRect/>
           </a:stretch>
@@ -20411,6 +20949,9 @@
           </p:cNvSpPr>
           <p:nvPr>
             <p:ph type="title"/>
+            <p:custDataLst>
+              <p:tags r:id="rId1"/>
+            </p:custDataLst>
           </p:nvPr>
         </p:nvSpPr>
         <p:spPr/>
@@ -20442,6 +20983,9 @@
           </p:cNvSpPr>
           <p:nvPr>
             <p:ph sz="quarter" idx="10"/>
+            <p:custDataLst>
+              <p:tags r:id="rId2"/>
+            </p:custDataLst>
           </p:nvPr>
         </p:nvSpPr>
         <p:spPr/>
@@ -20490,7 +21034,11 @@
             </a:extLst>
           </p:cNvPr>
           <p:cNvSpPr/>
-          <p:nvPr/>
+          <p:nvPr>
+            <p:custDataLst>
+              <p:tags r:id="rId3"/>
+            </p:custDataLst>
+          </p:nvPr>
         </p:nvSpPr>
         <p:spPr>
           <a:xfrm>
@@ -20674,6 +21222,9 @@
           </p:cNvSpPr>
           <p:nvPr>
             <p:ph type="title"/>
+            <p:custDataLst>
+              <p:tags r:id="rId1"/>
+            </p:custDataLst>
           </p:nvPr>
         </p:nvSpPr>
         <p:spPr/>
@@ -20705,6 +21256,9 @@
           </p:cNvSpPr>
           <p:nvPr>
             <p:ph sz="quarter" idx="10"/>
+            <p:custDataLst>
+              <p:tags r:id="rId2"/>
+            </p:custDataLst>
           </p:nvPr>
         </p:nvSpPr>
         <p:spPr>
@@ -20805,10 +21359,14 @@
           <p:cNvPicPr>
             <a:picLocks noChangeAspect="1"/>
           </p:cNvPicPr>
-          <p:nvPr/>
+          <p:nvPr>
+            <p:custDataLst>
+              <p:tags r:id="rId3"/>
+            </p:custDataLst>
+          </p:nvPr>
         </p:nvPicPr>
         <p:blipFill>
-          <a:blip r:embed="rId2"/>
+          <a:blip r:embed="rId5"/>
           <a:stretch>
             <a:fillRect/>
           </a:stretch>
@@ -20867,6 +21425,9 @@
           </p:cNvSpPr>
           <p:nvPr>
             <p:ph type="title"/>
+            <p:custDataLst>
+              <p:tags r:id="rId1"/>
+            </p:custDataLst>
           </p:nvPr>
         </p:nvSpPr>
         <p:spPr/>
@@ -20895,6 +21456,9 @@
           </p:cNvSpPr>
           <p:nvPr>
             <p:ph sz="quarter" idx="10"/>
+            <p:custDataLst>
+              <p:tags r:id="rId2"/>
+            </p:custDataLst>
           </p:nvPr>
         </p:nvSpPr>
         <p:spPr>
@@ -21005,10 +21569,14 @@
           <p:cNvPicPr>
             <a:picLocks noChangeAspect="1"/>
           </p:cNvPicPr>
-          <p:nvPr/>
+          <p:nvPr>
+            <p:custDataLst>
+              <p:tags r:id="rId3"/>
+            </p:custDataLst>
+          </p:nvPr>
         </p:nvPicPr>
         <p:blipFill>
-          <a:blip r:embed="rId2"/>
+          <a:blip r:embed="rId5"/>
           <a:stretch>
             <a:fillRect/>
           </a:stretch>
@@ -21067,6 +21635,9 @@
           </p:cNvSpPr>
           <p:nvPr>
             <p:ph type="title"/>
+            <p:custDataLst>
+              <p:tags r:id="rId1"/>
+            </p:custDataLst>
           </p:nvPr>
         </p:nvSpPr>
         <p:spPr/>
@@ -21095,6 +21666,9 @@
           </p:cNvSpPr>
           <p:nvPr>
             <p:ph sz="quarter" idx="10"/>
+            <p:custDataLst>
+              <p:tags r:id="rId2"/>
+            </p:custDataLst>
           </p:nvPr>
         </p:nvSpPr>
         <p:spPr>
@@ -21258,6 +21832,9 @@
           </p:cNvSpPr>
           <p:nvPr>
             <p:ph type="title"/>
+            <p:custDataLst>
+              <p:tags r:id="rId1"/>
+            </p:custDataLst>
           </p:nvPr>
         </p:nvSpPr>
         <p:spPr/>
@@ -21286,6 +21863,9 @@
           </p:cNvSpPr>
           <p:nvPr>
             <p:ph sz="quarter" idx="10"/>
+            <p:custDataLst>
+              <p:tags r:id="rId2"/>
+            </p:custDataLst>
           </p:nvPr>
         </p:nvSpPr>
         <p:spPr/>
@@ -21309,10 +21889,14 @@
           <p:cNvPicPr>
             <a:picLocks noChangeAspect="1"/>
           </p:cNvPicPr>
-          <p:nvPr/>
+          <p:nvPr>
+            <p:custDataLst>
+              <p:tags r:id="rId3"/>
+            </p:custDataLst>
+          </p:nvPr>
         </p:nvPicPr>
         <p:blipFill>
-          <a:blip r:embed="rId2"/>
+          <a:blip r:embed="rId5"/>
           <a:stretch>
             <a:fillRect/>
           </a:stretch>
@@ -21346,7 +21930,859 @@
 </p:tagLst>
 </file>
 
+<file path=ppt/tags/tag10.xml><?xml version="1.0" encoding="utf-8"?>
+<p:tagLst xmlns:a="http://schemas.openxmlformats.org/drawingml/2006/main" xmlns:r="http://schemas.openxmlformats.org/officeDocument/2006/relationships" xmlns:p="http://schemas.openxmlformats.org/presentationml/2006/main">
+  <p:tag name="NUM" val="4"/>
+</p:tagLst>
+</file>
+
+<file path=ppt/tags/tag100.xml><?xml version="1.0" encoding="utf-8"?>
+<p:tagLst xmlns:a="http://schemas.openxmlformats.org/drawingml/2006/main" xmlns:r="http://schemas.openxmlformats.org/officeDocument/2006/relationships" xmlns:p="http://schemas.openxmlformats.org/presentationml/2006/main">
+  <p:tag name="NUM" val="3"/>
+</p:tagLst>
+</file>
+
+<file path=ppt/tags/tag101.xml><?xml version="1.0" encoding="utf-8"?>
+<p:tagLst xmlns:a="http://schemas.openxmlformats.org/drawingml/2006/main" xmlns:r="http://schemas.openxmlformats.org/officeDocument/2006/relationships" xmlns:p="http://schemas.openxmlformats.org/presentationml/2006/main">
+  <p:tag name="NUM" val="4"/>
+</p:tagLst>
+</file>
+
+<file path=ppt/tags/tag102.xml><?xml version="1.0" encoding="utf-8"?>
+<p:tagLst xmlns:a="http://schemas.openxmlformats.org/drawingml/2006/main" xmlns:r="http://schemas.openxmlformats.org/officeDocument/2006/relationships" xmlns:p="http://schemas.openxmlformats.org/presentationml/2006/main">
+  <p:tag name="NUM" val="5"/>
+</p:tagLst>
+</file>
+
+<file path=ppt/tags/tag103.xml><?xml version="1.0" encoding="utf-8"?>
+<p:tagLst xmlns:a="http://schemas.openxmlformats.org/drawingml/2006/main" xmlns:r="http://schemas.openxmlformats.org/officeDocument/2006/relationships" xmlns:p="http://schemas.openxmlformats.org/presentationml/2006/main">
+  <p:tag name="NUM" val="6"/>
+</p:tagLst>
+</file>
+
+<file path=ppt/tags/tag104.xml><?xml version="1.0" encoding="utf-8"?>
+<p:tagLst xmlns:a="http://schemas.openxmlformats.org/drawingml/2006/main" xmlns:r="http://schemas.openxmlformats.org/officeDocument/2006/relationships" xmlns:p="http://schemas.openxmlformats.org/presentationml/2006/main">
+  <p:tag name="NUM" val="7"/>
+</p:tagLst>
+</file>
+
+<file path=ppt/tags/tag105.xml><?xml version="1.0" encoding="utf-8"?>
+<p:tagLst xmlns:a="http://schemas.openxmlformats.org/drawingml/2006/main" xmlns:r="http://schemas.openxmlformats.org/officeDocument/2006/relationships" xmlns:p="http://schemas.openxmlformats.org/presentationml/2006/main">
+  <p:tag name="NUM" val="8"/>
+</p:tagLst>
+</file>
+
+<file path=ppt/tags/tag106.xml><?xml version="1.0" encoding="utf-8"?>
+<p:tagLst xmlns:a="http://schemas.openxmlformats.org/drawingml/2006/main" xmlns:r="http://schemas.openxmlformats.org/officeDocument/2006/relationships" xmlns:p="http://schemas.openxmlformats.org/presentationml/2006/main">
+  <p:tag name="NUM" val="9"/>
+</p:tagLst>
+</file>
+
+<file path=ppt/tags/tag107.xml><?xml version="1.0" encoding="utf-8"?>
+<p:tagLst xmlns:a="http://schemas.openxmlformats.org/drawingml/2006/main" xmlns:r="http://schemas.openxmlformats.org/officeDocument/2006/relationships" xmlns:p="http://schemas.openxmlformats.org/presentationml/2006/main">
+  <p:tag name="NUM" val="1"/>
+</p:tagLst>
+</file>
+
+<file path=ppt/tags/tag108.xml><?xml version="1.0" encoding="utf-8"?>
+<p:tagLst xmlns:a="http://schemas.openxmlformats.org/drawingml/2006/main" xmlns:r="http://schemas.openxmlformats.org/officeDocument/2006/relationships" xmlns:p="http://schemas.openxmlformats.org/presentationml/2006/main">
+  <p:tag name="NUM" val="2"/>
+</p:tagLst>
+</file>
+
+<file path=ppt/tags/tag109.xml><?xml version="1.0" encoding="utf-8"?>
+<p:tagLst xmlns:a="http://schemas.openxmlformats.org/drawingml/2006/main" xmlns:r="http://schemas.openxmlformats.org/officeDocument/2006/relationships" xmlns:p="http://schemas.openxmlformats.org/presentationml/2006/main">
+  <p:tag name="NUM" val="3"/>
+</p:tagLst>
+</file>
+
+<file path=ppt/tags/tag11.xml><?xml version="1.0" encoding="utf-8"?>
+<p:tagLst xmlns:a="http://schemas.openxmlformats.org/drawingml/2006/main" xmlns:r="http://schemas.openxmlformats.org/officeDocument/2006/relationships" xmlns:p="http://schemas.openxmlformats.org/presentationml/2006/main">
+  <p:tag name="NUM" val="5"/>
+</p:tagLst>
+</file>
+
+<file path=ppt/tags/tag110.xml><?xml version="1.0" encoding="utf-8"?>
+<p:tagLst xmlns:a="http://schemas.openxmlformats.org/drawingml/2006/main" xmlns:r="http://schemas.openxmlformats.org/officeDocument/2006/relationships" xmlns:p="http://schemas.openxmlformats.org/presentationml/2006/main">
+  <p:tag name="NUM" val="4"/>
+</p:tagLst>
+</file>
+
+<file path=ppt/tags/tag111.xml><?xml version="1.0" encoding="utf-8"?>
+<p:tagLst xmlns:a="http://schemas.openxmlformats.org/drawingml/2006/main" xmlns:r="http://schemas.openxmlformats.org/officeDocument/2006/relationships" xmlns:p="http://schemas.openxmlformats.org/presentationml/2006/main">
+  <p:tag name="NUM" val="5"/>
+</p:tagLst>
+</file>
+
+<file path=ppt/tags/tag112.xml><?xml version="1.0" encoding="utf-8"?>
+<p:tagLst xmlns:a="http://schemas.openxmlformats.org/drawingml/2006/main" xmlns:r="http://schemas.openxmlformats.org/officeDocument/2006/relationships" xmlns:p="http://schemas.openxmlformats.org/presentationml/2006/main">
+  <p:tag name="NUM" val="6"/>
+</p:tagLst>
+</file>
+
+<file path=ppt/tags/tag113.xml><?xml version="1.0" encoding="utf-8"?>
+<p:tagLst xmlns:a="http://schemas.openxmlformats.org/drawingml/2006/main" xmlns:r="http://schemas.openxmlformats.org/officeDocument/2006/relationships" xmlns:p="http://schemas.openxmlformats.org/presentationml/2006/main">
+  <p:tag name="NUM" val="7"/>
+</p:tagLst>
+</file>
+
+<file path=ppt/tags/tag114.xml><?xml version="1.0" encoding="utf-8"?>
+<p:tagLst xmlns:a="http://schemas.openxmlformats.org/drawingml/2006/main" xmlns:r="http://schemas.openxmlformats.org/officeDocument/2006/relationships" xmlns:p="http://schemas.openxmlformats.org/presentationml/2006/main">
+  <p:tag name="NUM" val="1"/>
+</p:tagLst>
+</file>
+
+<file path=ppt/tags/tag115.xml><?xml version="1.0" encoding="utf-8"?>
+<p:tagLst xmlns:a="http://schemas.openxmlformats.org/drawingml/2006/main" xmlns:r="http://schemas.openxmlformats.org/officeDocument/2006/relationships" xmlns:p="http://schemas.openxmlformats.org/presentationml/2006/main">
+  <p:tag name="NUM" val="2"/>
+</p:tagLst>
+</file>
+
+<file path=ppt/tags/tag116.xml><?xml version="1.0" encoding="utf-8"?>
+<p:tagLst xmlns:a="http://schemas.openxmlformats.org/drawingml/2006/main" xmlns:r="http://schemas.openxmlformats.org/officeDocument/2006/relationships" xmlns:p="http://schemas.openxmlformats.org/presentationml/2006/main">
+  <p:tag name="NUM" val="3"/>
+</p:tagLst>
+</file>
+
+<file path=ppt/tags/tag117.xml><?xml version="1.0" encoding="utf-8"?>
+<p:tagLst xmlns:a="http://schemas.openxmlformats.org/drawingml/2006/main" xmlns:r="http://schemas.openxmlformats.org/officeDocument/2006/relationships" xmlns:p="http://schemas.openxmlformats.org/presentationml/2006/main">
+  <p:tag name="NUM" val="1"/>
+</p:tagLst>
+</file>
+
+<file path=ppt/tags/tag118.xml><?xml version="1.0" encoding="utf-8"?>
+<p:tagLst xmlns:a="http://schemas.openxmlformats.org/drawingml/2006/main" xmlns:r="http://schemas.openxmlformats.org/officeDocument/2006/relationships" xmlns:p="http://schemas.openxmlformats.org/presentationml/2006/main">
+  <p:tag name="NUM" val="2"/>
+</p:tagLst>
+</file>
+
+<file path=ppt/tags/tag119.xml><?xml version="1.0" encoding="utf-8"?>
+<p:tagLst xmlns:a="http://schemas.openxmlformats.org/drawingml/2006/main" xmlns:r="http://schemas.openxmlformats.org/officeDocument/2006/relationships" xmlns:p="http://schemas.openxmlformats.org/presentationml/2006/main">
+  <p:tag name="NUM" val="3"/>
+</p:tagLst>
+</file>
+
+<file path=ppt/tags/tag12.xml><?xml version="1.0" encoding="utf-8"?>
+<p:tagLst xmlns:a="http://schemas.openxmlformats.org/drawingml/2006/main" xmlns:r="http://schemas.openxmlformats.org/officeDocument/2006/relationships" xmlns:p="http://schemas.openxmlformats.org/presentationml/2006/main">
+  <p:tag name="NUM" val="6"/>
+</p:tagLst>
+</file>
+
+<file path=ppt/tags/tag120.xml><?xml version="1.0" encoding="utf-8"?>
+<p:tagLst xmlns:a="http://schemas.openxmlformats.org/drawingml/2006/main" xmlns:r="http://schemas.openxmlformats.org/officeDocument/2006/relationships" xmlns:p="http://schemas.openxmlformats.org/presentationml/2006/main">
+  <p:tag name="NUM" val="1"/>
+</p:tagLst>
+</file>
+
+<file path=ppt/tags/tag121.xml><?xml version="1.0" encoding="utf-8"?>
+<p:tagLst xmlns:a="http://schemas.openxmlformats.org/drawingml/2006/main" xmlns:r="http://schemas.openxmlformats.org/officeDocument/2006/relationships" xmlns:p="http://schemas.openxmlformats.org/presentationml/2006/main">
+  <p:tag name="NUM" val="2"/>
+</p:tagLst>
+</file>
+
+<file path=ppt/tags/tag122.xml><?xml version="1.0" encoding="utf-8"?>
+<p:tagLst xmlns:a="http://schemas.openxmlformats.org/drawingml/2006/main" xmlns:r="http://schemas.openxmlformats.org/officeDocument/2006/relationships" xmlns:p="http://schemas.openxmlformats.org/presentationml/2006/main">
+  <p:tag name="NUM" val="3"/>
+</p:tagLst>
+</file>
+
+<file path=ppt/tags/tag123.xml><?xml version="1.0" encoding="utf-8"?>
+<p:tagLst xmlns:a="http://schemas.openxmlformats.org/drawingml/2006/main" xmlns:r="http://schemas.openxmlformats.org/officeDocument/2006/relationships" xmlns:p="http://schemas.openxmlformats.org/presentationml/2006/main">
+  <p:tag name="NUM" val="4"/>
+</p:tagLst>
+</file>
+
+<file path=ppt/tags/tag124.xml><?xml version="1.0" encoding="utf-8"?>
+<p:tagLst xmlns:a="http://schemas.openxmlformats.org/drawingml/2006/main" xmlns:r="http://schemas.openxmlformats.org/officeDocument/2006/relationships" xmlns:p="http://schemas.openxmlformats.org/presentationml/2006/main">
+  <p:tag name="NUM" val="1"/>
+</p:tagLst>
+</file>
+
+<file path=ppt/tags/tag125.xml><?xml version="1.0" encoding="utf-8"?>
+<p:tagLst xmlns:a="http://schemas.openxmlformats.org/drawingml/2006/main" xmlns:r="http://schemas.openxmlformats.org/officeDocument/2006/relationships" xmlns:p="http://schemas.openxmlformats.org/presentationml/2006/main">
+  <p:tag name="NUM" val="2"/>
+</p:tagLst>
+</file>
+
+<file path=ppt/tags/tag126.xml><?xml version="1.0" encoding="utf-8"?>
+<p:tagLst xmlns:a="http://schemas.openxmlformats.org/drawingml/2006/main" xmlns:r="http://schemas.openxmlformats.org/officeDocument/2006/relationships" xmlns:p="http://schemas.openxmlformats.org/presentationml/2006/main">
+  <p:tag name="NUM" val="3"/>
+</p:tagLst>
+</file>
+
+<file path=ppt/tags/tag127.xml><?xml version="1.0" encoding="utf-8"?>
+<p:tagLst xmlns:a="http://schemas.openxmlformats.org/drawingml/2006/main" xmlns:r="http://schemas.openxmlformats.org/officeDocument/2006/relationships" xmlns:p="http://schemas.openxmlformats.org/presentationml/2006/main">
+  <p:tag name="NUM" val="4"/>
+</p:tagLst>
+</file>
+
+<file path=ppt/tags/tag128.xml><?xml version="1.0" encoding="utf-8"?>
+<p:tagLst xmlns:a="http://schemas.openxmlformats.org/drawingml/2006/main" xmlns:r="http://schemas.openxmlformats.org/officeDocument/2006/relationships" xmlns:p="http://schemas.openxmlformats.org/presentationml/2006/main">
+  <p:tag name="NUM" val="5"/>
+</p:tagLst>
+</file>
+
+<file path=ppt/tags/tag129.xml><?xml version="1.0" encoding="utf-8"?>
+<p:tagLst xmlns:a="http://schemas.openxmlformats.org/drawingml/2006/main" xmlns:r="http://schemas.openxmlformats.org/officeDocument/2006/relationships" xmlns:p="http://schemas.openxmlformats.org/presentationml/2006/main">
+  <p:tag name="NUM" val="6"/>
+</p:tagLst>
+</file>
+
+<file path=ppt/tags/tag13.xml><?xml version="1.0" encoding="utf-8"?>
+<p:tagLst xmlns:a="http://schemas.openxmlformats.org/drawingml/2006/main" xmlns:r="http://schemas.openxmlformats.org/officeDocument/2006/relationships" xmlns:p="http://schemas.openxmlformats.org/presentationml/2006/main">
+  <p:tag name="NUM" val="1"/>
+</p:tagLst>
+</file>
+
+<file path=ppt/tags/tag130.xml><?xml version="1.0" encoding="utf-8"?>
+<p:tagLst xmlns:a="http://schemas.openxmlformats.org/drawingml/2006/main" xmlns:r="http://schemas.openxmlformats.org/officeDocument/2006/relationships" xmlns:p="http://schemas.openxmlformats.org/presentationml/2006/main">
+  <p:tag name="NUM" val="7"/>
+</p:tagLst>
+</file>
+
+<file path=ppt/tags/tag131.xml><?xml version="1.0" encoding="utf-8"?>
+<p:tagLst xmlns:a="http://schemas.openxmlformats.org/drawingml/2006/main" xmlns:r="http://schemas.openxmlformats.org/officeDocument/2006/relationships" xmlns:p="http://schemas.openxmlformats.org/presentationml/2006/main">
+  <p:tag name="NUM" val="1"/>
+</p:tagLst>
+</file>
+
+<file path=ppt/tags/tag132.xml><?xml version="1.0" encoding="utf-8"?>
+<p:tagLst xmlns:a="http://schemas.openxmlformats.org/drawingml/2006/main" xmlns:r="http://schemas.openxmlformats.org/officeDocument/2006/relationships" xmlns:p="http://schemas.openxmlformats.org/presentationml/2006/main">
+  <p:tag name="NUM" val="2"/>
+</p:tagLst>
+</file>
+
+<file path=ppt/tags/tag133.xml><?xml version="1.0" encoding="utf-8"?>
+<p:tagLst xmlns:a="http://schemas.openxmlformats.org/drawingml/2006/main" xmlns:r="http://schemas.openxmlformats.org/officeDocument/2006/relationships" xmlns:p="http://schemas.openxmlformats.org/presentationml/2006/main">
+  <p:tag name="NUM" val="3"/>
+</p:tagLst>
+</file>
+
+<file path=ppt/tags/tag134.xml><?xml version="1.0" encoding="utf-8"?>
+<p:tagLst xmlns:a="http://schemas.openxmlformats.org/drawingml/2006/main" xmlns:r="http://schemas.openxmlformats.org/officeDocument/2006/relationships" xmlns:p="http://schemas.openxmlformats.org/presentationml/2006/main">
+  <p:tag name="NUM" val="1"/>
+</p:tagLst>
+</file>
+
+<file path=ppt/tags/tag135.xml><?xml version="1.0" encoding="utf-8"?>
+<p:tagLst xmlns:a="http://schemas.openxmlformats.org/drawingml/2006/main" xmlns:r="http://schemas.openxmlformats.org/officeDocument/2006/relationships" xmlns:p="http://schemas.openxmlformats.org/presentationml/2006/main">
+  <p:tag name="NUM" val="2"/>
+</p:tagLst>
+</file>
+
+<file path=ppt/tags/tag136.xml><?xml version="1.0" encoding="utf-8"?>
+<p:tagLst xmlns:a="http://schemas.openxmlformats.org/drawingml/2006/main" xmlns:r="http://schemas.openxmlformats.org/officeDocument/2006/relationships" xmlns:p="http://schemas.openxmlformats.org/presentationml/2006/main">
+  <p:tag name="NUM" val="3"/>
+</p:tagLst>
+</file>
+
+<file path=ppt/tags/tag137.xml><?xml version="1.0" encoding="utf-8"?>
+<p:tagLst xmlns:a="http://schemas.openxmlformats.org/drawingml/2006/main" xmlns:r="http://schemas.openxmlformats.org/officeDocument/2006/relationships" xmlns:p="http://schemas.openxmlformats.org/presentationml/2006/main">
+  <p:tag name="NUM" val="4"/>
+</p:tagLst>
+</file>
+
+<file path=ppt/tags/tag138.xml><?xml version="1.0" encoding="utf-8"?>
+<p:tagLst xmlns:a="http://schemas.openxmlformats.org/drawingml/2006/main" xmlns:r="http://schemas.openxmlformats.org/officeDocument/2006/relationships" xmlns:p="http://schemas.openxmlformats.org/presentationml/2006/main">
+  <p:tag name="NUM" val="5"/>
+</p:tagLst>
+</file>
+
+<file path=ppt/tags/tag139.xml><?xml version="1.0" encoding="utf-8"?>
+<p:tagLst xmlns:a="http://schemas.openxmlformats.org/drawingml/2006/main" xmlns:r="http://schemas.openxmlformats.org/officeDocument/2006/relationships" xmlns:p="http://schemas.openxmlformats.org/presentationml/2006/main">
+  <p:tag name="NUM" val="1"/>
+</p:tagLst>
+</file>
+
+<file path=ppt/tags/tag14.xml><?xml version="1.0" encoding="utf-8"?>
+<p:tagLst xmlns:a="http://schemas.openxmlformats.org/drawingml/2006/main" xmlns:r="http://schemas.openxmlformats.org/officeDocument/2006/relationships" xmlns:p="http://schemas.openxmlformats.org/presentationml/2006/main">
+  <p:tag name="NUM" val="2"/>
+</p:tagLst>
+</file>
+
+<file path=ppt/tags/tag140.xml><?xml version="1.0" encoding="utf-8"?>
+<p:tagLst xmlns:a="http://schemas.openxmlformats.org/drawingml/2006/main" xmlns:r="http://schemas.openxmlformats.org/officeDocument/2006/relationships" xmlns:p="http://schemas.openxmlformats.org/presentationml/2006/main">
+  <p:tag name="NUM" val="2"/>
+</p:tagLst>
+</file>
+
+<file path=ppt/tags/tag141.xml><?xml version="1.0" encoding="utf-8"?>
+<p:tagLst xmlns:a="http://schemas.openxmlformats.org/drawingml/2006/main" xmlns:r="http://schemas.openxmlformats.org/officeDocument/2006/relationships" xmlns:p="http://schemas.openxmlformats.org/presentationml/2006/main">
+  <p:tag name="NUM" val="3"/>
+</p:tagLst>
+</file>
+
+<file path=ppt/tags/tag142.xml><?xml version="1.0" encoding="utf-8"?>
+<p:tagLst xmlns:a="http://schemas.openxmlformats.org/drawingml/2006/main" xmlns:r="http://schemas.openxmlformats.org/officeDocument/2006/relationships" xmlns:p="http://schemas.openxmlformats.org/presentationml/2006/main">
+  <p:tag name="NUM" val="4"/>
+</p:tagLst>
+</file>
+
+<file path=ppt/tags/tag143.xml><?xml version="1.0" encoding="utf-8"?>
+<p:tagLst xmlns:a="http://schemas.openxmlformats.org/drawingml/2006/main" xmlns:r="http://schemas.openxmlformats.org/officeDocument/2006/relationships" xmlns:p="http://schemas.openxmlformats.org/presentationml/2006/main">
+  <p:tag name="NUM" val="5"/>
+</p:tagLst>
+</file>
+
+<file path=ppt/tags/tag144.xml><?xml version="1.0" encoding="utf-8"?>
+<p:tagLst xmlns:a="http://schemas.openxmlformats.org/drawingml/2006/main" xmlns:r="http://schemas.openxmlformats.org/officeDocument/2006/relationships" xmlns:p="http://schemas.openxmlformats.org/presentationml/2006/main">
+  <p:tag name="NUM" val="6"/>
+</p:tagLst>
+</file>
+
+<file path=ppt/tags/tag15.xml><?xml version="1.0" encoding="utf-8"?>
+<p:tagLst xmlns:a="http://schemas.openxmlformats.org/drawingml/2006/main" xmlns:r="http://schemas.openxmlformats.org/officeDocument/2006/relationships" xmlns:p="http://schemas.openxmlformats.org/presentationml/2006/main">
+  <p:tag name="NUM" val="3"/>
+</p:tagLst>
+</file>
+
+<file path=ppt/tags/tag16.xml><?xml version="1.0" encoding="utf-8"?>
+<p:tagLst xmlns:a="http://schemas.openxmlformats.org/drawingml/2006/main" xmlns:r="http://schemas.openxmlformats.org/officeDocument/2006/relationships" xmlns:p="http://schemas.openxmlformats.org/presentationml/2006/main">
+  <p:tag name="NUM" val="1"/>
+</p:tagLst>
+</file>
+
+<file path=ppt/tags/tag17.xml><?xml version="1.0" encoding="utf-8"?>
+<p:tagLst xmlns:a="http://schemas.openxmlformats.org/drawingml/2006/main" xmlns:r="http://schemas.openxmlformats.org/officeDocument/2006/relationships" xmlns:p="http://schemas.openxmlformats.org/presentationml/2006/main">
+  <p:tag name="NUM" val="2"/>
+</p:tagLst>
+</file>
+
+<file path=ppt/tags/tag18.xml><?xml version="1.0" encoding="utf-8"?>
+<p:tagLst xmlns:a="http://schemas.openxmlformats.org/drawingml/2006/main" xmlns:r="http://schemas.openxmlformats.org/officeDocument/2006/relationships" xmlns:p="http://schemas.openxmlformats.org/presentationml/2006/main">
+  <p:tag name="NUM" val="3"/>
+</p:tagLst>
+</file>
+
+<file path=ppt/tags/tag19.xml><?xml version="1.0" encoding="utf-8"?>
+<p:tagLst xmlns:a="http://schemas.openxmlformats.org/drawingml/2006/main" xmlns:r="http://schemas.openxmlformats.org/officeDocument/2006/relationships" xmlns:p="http://schemas.openxmlformats.org/presentationml/2006/main">
+  <p:tag name="NUM" val="1"/>
+</p:tagLst>
+</file>
+
 <file path=ppt/tags/tag2.xml><?xml version="1.0" encoding="utf-8"?>
+<p:tagLst xmlns:a="http://schemas.openxmlformats.org/drawingml/2006/main" xmlns:r="http://schemas.openxmlformats.org/officeDocument/2006/relationships" xmlns:p="http://schemas.openxmlformats.org/presentationml/2006/main">
+  <p:tag name="NUM" val="2"/>
+</p:tagLst>
+</file>
+
+<file path=ppt/tags/tag20.xml><?xml version="1.0" encoding="utf-8"?>
+<p:tagLst xmlns:a="http://schemas.openxmlformats.org/drawingml/2006/main" xmlns:r="http://schemas.openxmlformats.org/officeDocument/2006/relationships" xmlns:p="http://schemas.openxmlformats.org/presentationml/2006/main">
+  <p:tag name="NUM" val="2"/>
+</p:tagLst>
+</file>
+
+<file path=ppt/tags/tag21.xml><?xml version="1.0" encoding="utf-8"?>
+<p:tagLst xmlns:a="http://schemas.openxmlformats.org/drawingml/2006/main" xmlns:r="http://schemas.openxmlformats.org/officeDocument/2006/relationships" xmlns:p="http://schemas.openxmlformats.org/presentationml/2006/main">
+  <p:tag name="NUM" val="3"/>
+</p:tagLst>
+</file>
+
+<file path=ppt/tags/tag22.xml><?xml version="1.0" encoding="utf-8"?>
+<p:tagLst xmlns:a="http://schemas.openxmlformats.org/drawingml/2006/main" xmlns:r="http://schemas.openxmlformats.org/officeDocument/2006/relationships" xmlns:p="http://schemas.openxmlformats.org/presentationml/2006/main">
+  <p:tag name="NUM" val="1"/>
+</p:tagLst>
+</file>
+
+<file path=ppt/tags/tag23.xml><?xml version="1.0" encoding="utf-8"?>
+<p:tagLst xmlns:a="http://schemas.openxmlformats.org/drawingml/2006/main" xmlns:r="http://schemas.openxmlformats.org/officeDocument/2006/relationships" xmlns:p="http://schemas.openxmlformats.org/presentationml/2006/main">
+  <p:tag name="NUM" val="2"/>
+</p:tagLst>
+</file>
+
+<file path=ppt/tags/tag24.xml><?xml version="1.0" encoding="utf-8"?>
+<p:tagLst xmlns:a="http://schemas.openxmlformats.org/drawingml/2006/main" xmlns:r="http://schemas.openxmlformats.org/officeDocument/2006/relationships" xmlns:p="http://schemas.openxmlformats.org/presentationml/2006/main">
+  <p:tag name="NUM" val="3"/>
+</p:tagLst>
+</file>
+
+<file path=ppt/tags/tag25.xml><?xml version="1.0" encoding="utf-8"?>
+<p:tagLst xmlns:a="http://schemas.openxmlformats.org/drawingml/2006/main" xmlns:r="http://schemas.openxmlformats.org/officeDocument/2006/relationships" xmlns:p="http://schemas.openxmlformats.org/presentationml/2006/main">
+  <p:tag name="NUM" val="1"/>
+</p:tagLst>
+</file>
+
+<file path=ppt/tags/tag26.xml><?xml version="1.0" encoding="utf-8"?>
+<p:tagLst xmlns:a="http://schemas.openxmlformats.org/drawingml/2006/main" xmlns:r="http://schemas.openxmlformats.org/officeDocument/2006/relationships" xmlns:p="http://schemas.openxmlformats.org/presentationml/2006/main">
+  <p:tag name="NUM" val="2"/>
+</p:tagLst>
+</file>
+
+<file path=ppt/tags/tag27.xml><?xml version="1.0" encoding="utf-8"?>
+<p:tagLst xmlns:a="http://schemas.openxmlformats.org/drawingml/2006/main" xmlns:r="http://schemas.openxmlformats.org/officeDocument/2006/relationships" xmlns:p="http://schemas.openxmlformats.org/presentationml/2006/main">
+  <p:tag name="NUM" val="1"/>
+</p:tagLst>
+</file>
+
+<file path=ppt/tags/tag28.xml><?xml version="1.0" encoding="utf-8"?>
+<p:tagLst xmlns:a="http://schemas.openxmlformats.org/drawingml/2006/main" xmlns:r="http://schemas.openxmlformats.org/officeDocument/2006/relationships" xmlns:p="http://schemas.openxmlformats.org/presentationml/2006/main">
+  <p:tag name="NUM" val="2"/>
+</p:tagLst>
+</file>
+
+<file path=ppt/tags/tag29.xml><?xml version="1.0" encoding="utf-8"?>
+<p:tagLst xmlns:a="http://schemas.openxmlformats.org/drawingml/2006/main" xmlns:r="http://schemas.openxmlformats.org/officeDocument/2006/relationships" xmlns:p="http://schemas.openxmlformats.org/presentationml/2006/main">
+  <p:tag name="NUM" val="3"/>
+</p:tagLst>
+</file>
+
+<file path=ppt/tags/tag3.xml><?xml version="1.0" encoding="utf-8"?>
+<p:tagLst xmlns:a="http://schemas.openxmlformats.org/drawingml/2006/main" xmlns:r="http://schemas.openxmlformats.org/officeDocument/2006/relationships" xmlns:p="http://schemas.openxmlformats.org/presentationml/2006/main">
+  <p:tag name="NUM" val="3"/>
+</p:tagLst>
+</file>
+
+<file path=ppt/tags/tag30.xml><?xml version="1.0" encoding="utf-8"?>
+<p:tagLst xmlns:a="http://schemas.openxmlformats.org/drawingml/2006/main" xmlns:r="http://schemas.openxmlformats.org/officeDocument/2006/relationships" xmlns:p="http://schemas.openxmlformats.org/presentationml/2006/main">
+  <p:tag name="NUM" val="1"/>
+</p:tagLst>
+</file>
+
+<file path=ppt/tags/tag31.xml><?xml version="1.0" encoding="utf-8"?>
+<p:tagLst xmlns:a="http://schemas.openxmlformats.org/drawingml/2006/main" xmlns:r="http://schemas.openxmlformats.org/officeDocument/2006/relationships" xmlns:p="http://schemas.openxmlformats.org/presentationml/2006/main">
+  <p:tag name="NUM" val="2"/>
+</p:tagLst>
+</file>
+
+<file path=ppt/tags/tag32.xml><?xml version="1.0" encoding="utf-8"?>
+<p:tagLst xmlns:a="http://schemas.openxmlformats.org/drawingml/2006/main" xmlns:r="http://schemas.openxmlformats.org/officeDocument/2006/relationships" xmlns:p="http://schemas.openxmlformats.org/presentationml/2006/main">
+  <p:tag name="NUM" val="1"/>
+</p:tagLst>
+</file>
+
+<file path=ppt/tags/tag33.xml><?xml version="1.0" encoding="utf-8"?>
+<p:tagLst xmlns:a="http://schemas.openxmlformats.org/drawingml/2006/main" xmlns:r="http://schemas.openxmlformats.org/officeDocument/2006/relationships" xmlns:p="http://schemas.openxmlformats.org/presentationml/2006/main">
+  <p:tag name="NUM" val="2"/>
+</p:tagLst>
+</file>
+
+<file path=ppt/tags/tag34.xml><?xml version="1.0" encoding="utf-8"?>
+<p:tagLst xmlns:a="http://schemas.openxmlformats.org/drawingml/2006/main" xmlns:r="http://schemas.openxmlformats.org/officeDocument/2006/relationships" xmlns:p="http://schemas.openxmlformats.org/presentationml/2006/main">
+  <p:tag name="NUM" val="3"/>
+</p:tagLst>
+</file>
+
+<file path=ppt/tags/tag35.xml><?xml version="1.0" encoding="utf-8"?>
+<p:tagLst xmlns:a="http://schemas.openxmlformats.org/drawingml/2006/main" xmlns:r="http://schemas.openxmlformats.org/officeDocument/2006/relationships" xmlns:p="http://schemas.openxmlformats.org/presentationml/2006/main">
+  <p:tag name="NUM" val="1"/>
+</p:tagLst>
+</file>
+
+<file path=ppt/tags/tag36.xml><?xml version="1.0" encoding="utf-8"?>
+<p:tagLst xmlns:a="http://schemas.openxmlformats.org/drawingml/2006/main" xmlns:r="http://schemas.openxmlformats.org/officeDocument/2006/relationships" xmlns:p="http://schemas.openxmlformats.org/presentationml/2006/main">
+  <p:tag name="NUM" val="2"/>
+</p:tagLst>
+</file>
+
+<file path=ppt/tags/tag37.xml><?xml version="1.0" encoding="utf-8"?>
+<p:tagLst xmlns:a="http://schemas.openxmlformats.org/drawingml/2006/main" xmlns:r="http://schemas.openxmlformats.org/officeDocument/2006/relationships" xmlns:p="http://schemas.openxmlformats.org/presentationml/2006/main">
+  <p:tag name="NUM" val="3"/>
+</p:tagLst>
+</file>
+
+<file path=ppt/tags/tag38.xml><?xml version="1.0" encoding="utf-8"?>
+<p:tagLst xmlns:a="http://schemas.openxmlformats.org/drawingml/2006/main" xmlns:r="http://schemas.openxmlformats.org/officeDocument/2006/relationships" xmlns:p="http://schemas.openxmlformats.org/presentationml/2006/main">
+  <p:tag name="NUM" val="1"/>
+</p:tagLst>
+</file>
+
+<file path=ppt/tags/tag39.xml><?xml version="1.0" encoding="utf-8"?>
+<p:tagLst xmlns:a="http://schemas.openxmlformats.org/drawingml/2006/main" xmlns:r="http://schemas.openxmlformats.org/officeDocument/2006/relationships" xmlns:p="http://schemas.openxmlformats.org/presentationml/2006/main">
+  <p:tag name="NUM" val="2"/>
+</p:tagLst>
+</file>
+
+<file path=ppt/tags/tag4.xml><?xml version="1.0" encoding="utf-8"?>
+<p:tagLst xmlns:a="http://schemas.openxmlformats.org/drawingml/2006/main" xmlns:r="http://schemas.openxmlformats.org/officeDocument/2006/relationships" xmlns:p="http://schemas.openxmlformats.org/presentationml/2006/main">
+  <p:tag name="NUM" val="1"/>
+</p:tagLst>
+</file>
+
+<file path=ppt/tags/tag40.xml><?xml version="1.0" encoding="utf-8"?>
+<p:tagLst xmlns:a="http://schemas.openxmlformats.org/drawingml/2006/main" xmlns:r="http://schemas.openxmlformats.org/officeDocument/2006/relationships" xmlns:p="http://schemas.openxmlformats.org/presentationml/2006/main">
+  <p:tag name="NUM" val="3"/>
+</p:tagLst>
+</file>
+
+<file path=ppt/tags/tag41.xml><?xml version="1.0" encoding="utf-8"?>
+<p:tagLst xmlns:a="http://schemas.openxmlformats.org/drawingml/2006/main" xmlns:r="http://schemas.openxmlformats.org/officeDocument/2006/relationships" xmlns:p="http://schemas.openxmlformats.org/presentationml/2006/main">
+  <p:tag name="NUM" val="1"/>
+</p:tagLst>
+</file>
+
+<file path=ppt/tags/tag42.xml><?xml version="1.0" encoding="utf-8"?>
+<p:tagLst xmlns:a="http://schemas.openxmlformats.org/drawingml/2006/main" xmlns:r="http://schemas.openxmlformats.org/officeDocument/2006/relationships" xmlns:p="http://schemas.openxmlformats.org/presentationml/2006/main">
+  <p:tag name="NUM" val="2"/>
+</p:tagLst>
+</file>
+
+<file path=ppt/tags/tag43.xml><?xml version="1.0" encoding="utf-8"?>
+<p:tagLst xmlns:a="http://schemas.openxmlformats.org/drawingml/2006/main" xmlns:r="http://schemas.openxmlformats.org/officeDocument/2006/relationships" xmlns:p="http://schemas.openxmlformats.org/presentationml/2006/main">
+  <p:tag name="NUM" val="3"/>
+</p:tagLst>
+</file>
+
+<file path=ppt/tags/tag44.xml><?xml version="1.0" encoding="utf-8"?>
+<p:tagLst xmlns:a="http://schemas.openxmlformats.org/drawingml/2006/main" xmlns:r="http://schemas.openxmlformats.org/officeDocument/2006/relationships" xmlns:p="http://schemas.openxmlformats.org/presentationml/2006/main">
+  <p:tag name="NUM" val="4"/>
+</p:tagLst>
+</file>
+
+<file path=ppt/tags/tag45.xml><?xml version="1.0" encoding="utf-8"?>
+<p:tagLst xmlns:a="http://schemas.openxmlformats.org/drawingml/2006/main" xmlns:r="http://schemas.openxmlformats.org/officeDocument/2006/relationships" xmlns:p="http://schemas.openxmlformats.org/presentationml/2006/main">
+  <p:tag name="NUM" val="5"/>
+</p:tagLst>
+</file>
+
+<file path=ppt/tags/tag46.xml><?xml version="1.0" encoding="utf-8"?>
+<p:tagLst xmlns:a="http://schemas.openxmlformats.org/drawingml/2006/main" xmlns:r="http://schemas.openxmlformats.org/officeDocument/2006/relationships" xmlns:p="http://schemas.openxmlformats.org/presentationml/2006/main">
+  <p:tag name="NUM" val="6"/>
+</p:tagLst>
+</file>
+
+<file path=ppt/tags/tag47.xml><?xml version="1.0" encoding="utf-8"?>
+<p:tagLst xmlns:a="http://schemas.openxmlformats.org/drawingml/2006/main" xmlns:r="http://schemas.openxmlformats.org/officeDocument/2006/relationships" xmlns:p="http://schemas.openxmlformats.org/presentationml/2006/main">
+  <p:tag name="NUM" val="7"/>
+</p:tagLst>
+</file>
+
+<file path=ppt/tags/tag48.xml><?xml version="1.0" encoding="utf-8"?>
+<p:tagLst xmlns:a="http://schemas.openxmlformats.org/drawingml/2006/main" xmlns:r="http://schemas.openxmlformats.org/officeDocument/2006/relationships" xmlns:p="http://schemas.openxmlformats.org/presentationml/2006/main">
+  <p:tag name="NUM" val="1"/>
+</p:tagLst>
+</file>
+
+<file path=ppt/tags/tag49.xml><?xml version="1.0" encoding="utf-8"?>
+<p:tagLst xmlns:a="http://schemas.openxmlformats.org/drawingml/2006/main" xmlns:r="http://schemas.openxmlformats.org/officeDocument/2006/relationships" xmlns:p="http://schemas.openxmlformats.org/presentationml/2006/main">
+  <p:tag name="NUM" val="2"/>
+</p:tagLst>
+</file>
+
+<file path=ppt/tags/tag5.xml><?xml version="1.0" encoding="utf-8"?>
+<p:tagLst xmlns:a="http://schemas.openxmlformats.org/drawingml/2006/main" xmlns:r="http://schemas.openxmlformats.org/officeDocument/2006/relationships" xmlns:p="http://schemas.openxmlformats.org/presentationml/2006/main">
+  <p:tag name="NUM" val="2"/>
+</p:tagLst>
+</file>
+
+<file path=ppt/tags/tag50.xml><?xml version="1.0" encoding="utf-8"?>
+<p:tagLst xmlns:a="http://schemas.openxmlformats.org/drawingml/2006/main" xmlns:r="http://schemas.openxmlformats.org/officeDocument/2006/relationships" xmlns:p="http://schemas.openxmlformats.org/presentationml/2006/main">
+  <p:tag name="NUM" val="3"/>
+</p:tagLst>
+</file>
+
+<file path=ppt/tags/tag51.xml><?xml version="1.0" encoding="utf-8"?>
+<p:tagLst xmlns:a="http://schemas.openxmlformats.org/drawingml/2006/main" xmlns:r="http://schemas.openxmlformats.org/officeDocument/2006/relationships" xmlns:p="http://schemas.openxmlformats.org/presentationml/2006/main">
+  <p:tag name="NUM" val="4"/>
+</p:tagLst>
+</file>
+
+<file path=ppt/tags/tag52.xml><?xml version="1.0" encoding="utf-8"?>
+<p:tagLst xmlns:a="http://schemas.openxmlformats.org/drawingml/2006/main" xmlns:r="http://schemas.openxmlformats.org/officeDocument/2006/relationships" xmlns:p="http://schemas.openxmlformats.org/presentationml/2006/main">
+  <p:tag name="NUM" val="1"/>
+</p:tagLst>
+</file>
+
+<file path=ppt/tags/tag53.xml><?xml version="1.0" encoding="utf-8"?>
+<p:tagLst xmlns:a="http://schemas.openxmlformats.org/drawingml/2006/main" xmlns:r="http://schemas.openxmlformats.org/officeDocument/2006/relationships" xmlns:p="http://schemas.openxmlformats.org/presentationml/2006/main">
+  <p:tag name="NUM" val="2"/>
+</p:tagLst>
+</file>
+
+<file path=ppt/tags/tag54.xml><?xml version="1.0" encoding="utf-8"?>
+<p:tagLst xmlns:a="http://schemas.openxmlformats.org/drawingml/2006/main" xmlns:r="http://schemas.openxmlformats.org/officeDocument/2006/relationships" xmlns:p="http://schemas.openxmlformats.org/presentationml/2006/main">
+  <p:tag name="NUM" val="3"/>
+</p:tagLst>
+</file>
+
+<file path=ppt/tags/tag55.xml><?xml version="1.0" encoding="utf-8"?>
+<p:tagLst xmlns:a="http://schemas.openxmlformats.org/drawingml/2006/main" xmlns:r="http://schemas.openxmlformats.org/officeDocument/2006/relationships" xmlns:p="http://schemas.openxmlformats.org/presentationml/2006/main">
+  <p:tag name="NUM" val="4"/>
+</p:tagLst>
+</file>
+
+<file path=ppt/tags/tag56.xml><?xml version="1.0" encoding="utf-8"?>
+<p:tagLst xmlns:a="http://schemas.openxmlformats.org/drawingml/2006/main" xmlns:r="http://schemas.openxmlformats.org/officeDocument/2006/relationships" xmlns:p="http://schemas.openxmlformats.org/presentationml/2006/main">
+  <p:tag name="NUM" val="5"/>
+</p:tagLst>
+</file>
+
+<file path=ppt/tags/tag57.xml><?xml version="1.0" encoding="utf-8"?>
+<p:tagLst xmlns:a="http://schemas.openxmlformats.org/drawingml/2006/main" xmlns:r="http://schemas.openxmlformats.org/officeDocument/2006/relationships" xmlns:p="http://schemas.openxmlformats.org/presentationml/2006/main">
+  <p:tag name="NUM" val="6"/>
+</p:tagLst>
+</file>
+
+<file path=ppt/tags/tag58.xml><?xml version="1.0" encoding="utf-8"?>
+<p:tagLst xmlns:a="http://schemas.openxmlformats.org/drawingml/2006/main" xmlns:r="http://schemas.openxmlformats.org/officeDocument/2006/relationships" xmlns:p="http://schemas.openxmlformats.org/presentationml/2006/main">
+  <p:tag name="NUM" val="7"/>
+</p:tagLst>
+</file>
+
+<file path=ppt/tags/tag59.xml><?xml version="1.0" encoding="utf-8"?>
+<p:tagLst xmlns:a="http://schemas.openxmlformats.org/drawingml/2006/main" xmlns:r="http://schemas.openxmlformats.org/officeDocument/2006/relationships" xmlns:p="http://schemas.openxmlformats.org/presentationml/2006/main">
+  <p:tag name="NUM" val="8"/>
+</p:tagLst>
+</file>
+
+<file path=ppt/tags/tag6.xml><?xml version="1.0" encoding="utf-8"?>
+<p:tagLst xmlns:a="http://schemas.openxmlformats.org/drawingml/2006/main" xmlns:r="http://schemas.openxmlformats.org/officeDocument/2006/relationships" xmlns:p="http://schemas.openxmlformats.org/presentationml/2006/main">
+  <p:tag name="NUM" val="3"/>
+</p:tagLst>
+</file>
+
+<file path=ppt/tags/tag60.xml><?xml version="1.0" encoding="utf-8"?>
+<p:tagLst xmlns:a="http://schemas.openxmlformats.org/drawingml/2006/main" xmlns:r="http://schemas.openxmlformats.org/officeDocument/2006/relationships" xmlns:p="http://schemas.openxmlformats.org/presentationml/2006/main">
+  <p:tag name="NUM" val="9"/>
+</p:tagLst>
+</file>
+
+<file path=ppt/tags/tag61.xml><?xml version="1.0" encoding="utf-8"?>
+<p:tagLst xmlns:a="http://schemas.openxmlformats.org/drawingml/2006/main" xmlns:r="http://schemas.openxmlformats.org/officeDocument/2006/relationships" xmlns:p="http://schemas.openxmlformats.org/presentationml/2006/main">
+  <p:tag name="NUM" val="10"/>
+</p:tagLst>
+</file>
+
+<file path=ppt/tags/tag62.xml><?xml version="1.0" encoding="utf-8"?>
+<p:tagLst xmlns:a="http://schemas.openxmlformats.org/drawingml/2006/main" xmlns:r="http://schemas.openxmlformats.org/officeDocument/2006/relationships" xmlns:p="http://schemas.openxmlformats.org/presentationml/2006/main">
+  <p:tag name="NUM" val="1"/>
+</p:tagLst>
+</file>
+
+<file path=ppt/tags/tag63.xml><?xml version="1.0" encoding="utf-8"?>
+<p:tagLst xmlns:a="http://schemas.openxmlformats.org/drawingml/2006/main" xmlns:r="http://schemas.openxmlformats.org/officeDocument/2006/relationships" xmlns:p="http://schemas.openxmlformats.org/presentationml/2006/main">
+  <p:tag name="NUM" val="2"/>
+</p:tagLst>
+</file>
+
+<file path=ppt/tags/tag64.xml><?xml version="1.0" encoding="utf-8"?>
+<p:tagLst xmlns:a="http://schemas.openxmlformats.org/drawingml/2006/main" xmlns:r="http://schemas.openxmlformats.org/officeDocument/2006/relationships" xmlns:p="http://schemas.openxmlformats.org/presentationml/2006/main">
+  <p:tag name="NUM" val="3"/>
+</p:tagLst>
+</file>
+
+<file path=ppt/tags/tag65.xml><?xml version="1.0" encoding="utf-8"?>
+<p:tagLst xmlns:a="http://schemas.openxmlformats.org/drawingml/2006/main" xmlns:r="http://schemas.openxmlformats.org/officeDocument/2006/relationships" xmlns:p="http://schemas.openxmlformats.org/presentationml/2006/main">
+  <p:tag name="NUM" val="4"/>
+</p:tagLst>
+</file>
+
+<file path=ppt/tags/tag66.xml><?xml version="1.0" encoding="utf-8"?>
+<p:tagLst xmlns:a="http://schemas.openxmlformats.org/drawingml/2006/main" xmlns:r="http://schemas.openxmlformats.org/officeDocument/2006/relationships" xmlns:p="http://schemas.openxmlformats.org/presentationml/2006/main">
+  <p:tag name="NUM" val="1"/>
+</p:tagLst>
+</file>
+
+<file path=ppt/tags/tag67.xml><?xml version="1.0" encoding="utf-8"?>
+<p:tagLst xmlns:a="http://schemas.openxmlformats.org/drawingml/2006/main" xmlns:r="http://schemas.openxmlformats.org/officeDocument/2006/relationships" xmlns:p="http://schemas.openxmlformats.org/presentationml/2006/main">
+  <p:tag name="NUM" val="2"/>
+</p:tagLst>
+</file>
+
+<file path=ppt/tags/tag68.xml><?xml version="1.0" encoding="utf-8"?>
+<p:tagLst xmlns:a="http://schemas.openxmlformats.org/drawingml/2006/main" xmlns:r="http://schemas.openxmlformats.org/officeDocument/2006/relationships" xmlns:p="http://schemas.openxmlformats.org/presentationml/2006/main">
+  <p:tag name="NUM" val="3"/>
+</p:tagLst>
+</file>
+
+<file path=ppt/tags/tag69.xml><?xml version="1.0" encoding="utf-8"?>
+<p:tagLst xmlns:a="http://schemas.openxmlformats.org/drawingml/2006/main" xmlns:r="http://schemas.openxmlformats.org/officeDocument/2006/relationships" xmlns:p="http://schemas.openxmlformats.org/presentationml/2006/main">
+  <p:tag name="NUM" val="4"/>
+</p:tagLst>
+</file>
+
+<file path=ppt/tags/tag7.xml><?xml version="1.0" encoding="utf-8"?>
+<p:tagLst xmlns:a="http://schemas.openxmlformats.org/drawingml/2006/main" xmlns:r="http://schemas.openxmlformats.org/officeDocument/2006/relationships" xmlns:p="http://schemas.openxmlformats.org/presentationml/2006/main">
+  <p:tag name="NUM" val="1"/>
+</p:tagLst>
+</file>
+
+<file path=ppt/tags/tag70.xml><?xml version="1.0" encoding="utf-8"?>
+<p:tagLst xmlns:a="http://schemas.openxmlformats.org/drawingml/2006/main" xmlns:r="http://schemas.openxmlformats.org/officeDocument/2006/relationships" xmlns:p="http://schemas.openxmlformats.org/presentationml/2006/main">
+  <p:tag name="NUM" val="5"/>
+</p:tagLst>
+</file>
+
+<file path=ppt/tags/tag71.xml><?xml version="1.0" encoding="utf-8"?>
+<p:tagLst xmlns:a="http://schemas.openxmlformats.org/drawingml/2006/main" xmlns:r="http://schemas.openxmlformats.org/officeDocument/2006/relationships" xmlns:p="http://schemas.openxmlformats.org/presentationml/2006/main">
+  <p:tag name="NUM" val="6"/>
+</p:tagLst>
+</file>
+
+<file path=ppt/tags/tag72.xml><?xml version="1.0" encoding="utf-8"?>
+<p:tagLst xmlns:a="http://schemas.openxmlformats.org/drawingml/2006/main" xmlns:r="http://schemas.openxmlformats.org/officeDocument/2006/relationships" xmlns:p="http://schemas.openxmlformats.org/presentationml/2006/main">
+  <p:tag name="NUM" val="1"/>
+</p:tagLst>
+</file>
+
+<file path=ppt/tags/tag73.xml><?xml version="1.0" encoding="utf-8"?>
+<p:tagLst xmlns:a="http://schemas.openxmlformats.org/drawingml/2006/main" xmlns:r="http://schemas.openxmlformats.org/officeDocument/2006/relationships" xmlns:p="http://schemas.openxmlformats.org/presentationml/2006/main">
+  <p:tag name="NUM" val="2"/>
+</p:tagLst>
+</file>
+
+<file path=ppt/tags/tag74.xml><?xml version="1.0" encoding="utf-8"?>
+<p:tagLst xmlns:a="http://schemas.openxmlformats.org/drawingml/2006/main" xmlns:r="http://schemas.openxmlformats.org/officeDocument/2006/relationships" xmlns:p="http://schemas.openxmlformats.org/presentationml/2006/main">
+  <p:tag name="NUM" val="3"/>
+</p:tagLst>
+</file>
+
+<file path=ppt/tags/tag75.xml><?xml version="1.0" encoding="utf-8"?>
+<p:tagLst xmlns:a="http://schemas.openxmlformats.org/drawingml/2006/main" xmlns:r="http://schemas.openxmlformats.org/officeDocument/2006/relationships" xmlns:p="http://schemas.openxmlformats.org/presentationml/2006/main">
+  <p:tag name="NUM" val="4"/>
+</p:tagLst>
+</file>
+
+<file path=ppt/tags/tag76.xml><?xml version="1.0" encoding="utf-8"?>
+<p:tagLst xmlns:a="http://schemas.openxmlformats.org/drawingml/2006/main" xmlns:r="http://schemas.openxmlformats.org/officeDocument/2006/relationships" xmlns:p="http://schemas.openxmlformats.org/presentationml/2006/main">
+  <p:tag name="NUM" val="5"/>
+</p:tagLst>
+</file>
+
+<file path=ppt/tags/tag77.xml><?xml version="1.0" encoding="utf-8"?>
+<p:tagLst xmlns:a="http://schemas.openxmlformats.org/drawingml/2006/main" xmlns:r="http://schemas.openxmlformats.org/officeDocument/2006/relationships" xmlns:p="http://schemas.openxmlformats.org/presentationml/2006/main">
+  <p:tag name="NUM" val="1"/>
+</p:tagLst>
+</file>
+
+<file path=ppt/tags/tag78.xml><?xml version="1.0" encoding="utf-8"?>
+<p:tagLst xmlns:a="http://schemas.openxmlformats.org/drawingml/2006/main" xmlns:r="http://schemas.openxmlformats.org/officeDocument/2006/relationships" xmlns:p="http://schemas.openxmlformats.org/presentationml/2006/main">
+  <p:tag name="NUM" val="2"/>
+</p:tagLst>
+</file>
+
+<file path=ppt/tags/tag79.xml><?xml version="1.0" encoding="utf-8"?>
+<p:tagLst xmlns:a="http://schemas.openxmlformats.org/drawingml/2006/main" xmlns:r="http://schemas.openxmlformats.org/officeDocument/2006/relationships" xmlns:p="http://schemas.openxmlformats.org/presentationml/2006/main">
+  <p:tag name="NUM" val="3"/>
+</p:tagLst>
+</file>
+
+<file path=ppt/tags/tag8.xml><?xml version="1.0" encoding="utf-8"?>
+<p:tagLst xmlns:a="http://schemas.openxmlformats.org/drawingml/2006/main" xmlns:r="http://schemas.openxmlformats.org/officeDocument/2006/relationships" xmlns:p="http://schemas.openxmlformats.org/presentationml/2006/main">
+  <p:tag name="NUM" val="2"/>
+</p:tagLst>
+</file>
+
+<file path=ppt/tags/tag80.xml><?xml version="1.0" encoding="utf-8"?>
+<p:tagLst xmlns:a="http://schemas.openxmlformats.org/drawingml/2006/main" xmlns:r="http://schemas.openxmlformats.org/officeDocument/2006/relationships" xmlns:p="http://schemas.openxmlformats.org/presentationml/2006/main">
+  <p:tag name="NUM" val="4"/>
+</p:tagLst>
+</file>
+
+<file path=ppt/tags/tag81.xml><?xml version="1.0" encoding="utf-8"?>
+<p:tagLst xmlns:a="http://schemas.openxmlformats.org/drawingml/2006/main" xmlns:r="http://schemas.openxmlformats.org/officeDocument/2006/relationships" xmlns:p="http://schemas.openxmlformats.org/presentationml/2006/main">
+  <p:tag name="NUM" val="5"/>
+</p:tagLst>
+</file>
+
+<file path=ppt/tags/tag82.xml><?xml version="1.0" encoding="utf-8"?>
+<p:tagLst xmlns:a="http://schemas.openxmlformats.org/drawingml/2006/main" xmlns:r="http://schemas.openxmlformats.org/officeDocument/2006/relationships" xmlns:p="http://schemas.openxmlformats.org/presentationml/2006/main">
+  <p:tag name="NUM" val="1"/>
+</p:tagLst>
+</file>
+
+<file path=ppt/tags/tag83.xml><?xml version="1.0" encoding="utf-8"?>
+<p:tagLst xmlns:a="http://schemas.openxmlformats.org/drawingml/2006/main" xmlns:r="http://schemas.openxmlformats.org/officeDocument/2006/relationships" xmlns:p="http://schemas.openxmlformats.org/presentationml/2006/main">
+  <p:tag name="NUM" val="2"/>
+</p:tagLst>
+</file>
+
+<file path=ppt/tags/tag84.xml><?xml version="1.0" encoding="utf-8"?>
+<p:tagLst xmlns:a="http://schemas.openxmlformats.org/drawingml/2006/main" xmlns:r="http://schemas.openxmlformats.org/officeDocument/2006/relationships" xmlns:p="http://schemas.openxmlformats.org/presentationml/2006/main">
+  <p:tag name="NUM" val="1"/>
+</p:tagLst>
+</file>
+
+<file path=ppt/tags/tag85.xml><?xml version="1.0" encoding="utf-8"?>
+<p:tagLst xmlns:a="http://schemas.openxmlformats.org/drawingml/2006/main" xmlns:r="http://schemas.openxmlformats.org/officeDocument/2006/relationships" xmlns:p="http://schemas.openxmlformats.org/presentationml/2006/main">
+  <p:tag name="NUM" val="2"/>
+</p:tagLst>
+</file>
+
+<file path=ppt/tags/tag86.xml><?xml version="1.0" encoding="utf-8"?>
+<p:tagLst xmlns:a="http://schemas.openxmlformats.org/drawingml/2006/main" xmlns:r="http://schemas.openxmlformats.org/officeDocument/2006/relationships" xmlns:p="http://schemas.openxmlformats.org/presentationml/2006/main">
+  <p:tag name="NUM" val="3"/>
+</p:tagLst>
+</file>
+
+<file path=ppt/tags/tag87.xml><?xml version="1.0" encoding="utf-8"?>
+<p:tagLst xmlns:a="http://schemas.openxmlformats.org/drawingml/2006/main" xmlns:r="http://schemas.openxmlformats.org/officeDocument/2006/relationships" xmlns:p="http://schemas.openxmlformats.org/presentationml/2006/main">
+  <p:tag name="NUM" val="1"/>
+</p:tagLst>
+</file>
+
+<file path=ppt/tags/tag88.xml><?xml version="1.0" encoding="utf-8"?>
+<p:tagLst xmlns:a="http://schemas.openxmlformats.org/drawingml/2006/main" xmlns:r="http://schemas.openxmlformats.org/officeDocument/2006/relationships" xmlns:p="http://schemas.openxmlformats.org/presentationml/2006/main">
+  <p:tag name="NUM" val="2"/>
+</p:tagLst>
+</file>
+
+<file path=ppt/tags/tag89.xml><?xml version="1.0" encoding="utf-8"?>
+<p:tagLst xmlns:a="http://schemas.openxmlformats.org/drawingml/2006/main" xmlns:r="http://schemas.openxmlformats.org/officeDocument/2006/relationships" xmlns:p="http://schemas.openxmlformats.org/presentationml/2006/main">
+  <p:tag name="NUM" val="3"/>
+</p:tagLst>
+</file>
+
+<file path=ppt/tags/tag9.xml><?xml version="1.0" encoding="utf-8"?>
+<p:tagLst xmlns:a="http://schemas.openxmlformats.org/drawingml/2006/main" xmlns:r="http://schemas.openxmlformats.org/officeDocument/2006/relationships" xmlns:p="http://schemas.openxmlformats.org/presentationml/2006/main">
+  <p:tag name="NUM" val="3"/>
+</p:tagLst>
+</file>
+
+<file path=ppt/tags/tag90.xml><?xml version="1.0" encoding="utf-8"?>
+<p:tagLst xmlns:a="http://schemas.openxmlformats.org/drawingml/2006/main" xmlns:r="http://schemas.openxmlformats.org/officeDocument/2006/relationships" xmlns:p="http://schemas.openxmlformats.org/presentationml/2006/main">
+  <p:tag name="NUM" val="4"/>
+</p:tagLst>
+</file>
+
+<file path=ppt/tags/tag91.xml><?xml version="1.0" encoding="utf-8"?>
+<p:tagLst xmlns:a="http://schemas.openxmlformats.org/drawingml/2006/main" xmlns:r="http://schemas.openxmlformats.org/officeDocument/2006/relationships" xmlns:p="http://schemas.openxmlformats.org/presentationml/2006/main">
+  <p:tag name="NUM" val="5"/>
+</p:tagLst>
+</file>
+
+<file path=ppt/tags/tag92.xml><?xml version="1.0" encoding="utf-8"?>
+<p:tagLst xmlns:a="http://schemas.openxmlformats.org/drawingml/2006/main" xmlns:r="http://schemas.openxmlformats.org/officeDocument/2006/relationships" xmlns:p="http://schemas.openxmlformats.org/presentationml/2006/main">
+  <p:tag name="NUM" val="6"/>
+</p:tagLst>
+</file>
+
+<file path=ppt/tags/tag93.xml><?xml version="1.0" encoding="utf-8"?>
+<p:tagLst xmlns:a="http://schemas.openxmlformats.org/drawingml/2006/main" xmlns:r="http://schemas.openxmlformats.org/officeDocument/2006/relationships" xmlns:p="http://schemas.openxmlformats.org/presentationml/2006/main">
+  <p:tag name="NUM" val="7"/>
+</p:tagLst>
+</file>
+
+<file path=ppt/tags/tag94.xml><?xml version="1.0" encoding="utf-8"?>
+<p:tagLst xmlns:a="http://schemas.openxmlformats.org/drawingml/2006/main" xmlns:r="http://schemas.openxmlformats.org/officeDocument/2006/relationships" xmlns:p="http://schemas.openxmlformats.org/presentationml/2006/main">
+  <p:tag name="NUM" val="8"/>
+</p:tagLst>
+</file>
+
+<file path=ppt/tags/tag95.xml><?xml version="1.0" encoding="utf-8"?>
+<p:tagLst xmlns:a="http://schemas.openxmlformats.org/drawingml/2006/main" xmlns:r="http://schemas.openxmlformats.org/officeDocument/2006/relationships" xmlns:p="http://schemas.openxmlformats.org/presentationml/2006/main">
+  <p:tag name="NUM" val="9"/>
+</p:tagLst>
+</file>
+
+<file path=ppt/tags/tag96.xml><?xml version="1.0" encoding="utf-8"?>
+<p:tagLst xmlns:a="http://schemas.openxmlformats.org/drawingml/2006/main" xmlns:r="http://schemas.openxmlformats.org/officeDocument/2006/relationships" xmlns:p="http://schemas.openxmlformats.org/presentationml/2006/main">
+  <p:tag name="NUM" val="10"/>
+</p:tagLst>
+</file>
+
+<file path=ppt/tags/tag97.xml><?xml version="1.0" encoding="utf-8"?>
+<p:tagLst xmlns:a="http://schemas.openxmlformats.org/drawingml/2006/main" xmlns:r="http://schemas.openxmlformats.org/officeDocument/2006/relationships" xmlns:p="http://schemas.openxmlformats.org/presentationml/2006/main">
+  <p:tag name="NUM" val="11"/>
+</p:tagLst>
+</file>
+
+<file path=ppt/tags/tag98.xml><?xml version="1.0" encoding="utf-8"?>
+<p:tagLst xmlns:a="http://schemas.openxmlformats.org/drawingml/2006/main" xmlns:r="http://schemas.openxmlformats.org/officeDocument/2006/relationships" xmlns:p="http://schemas.openxmlformats.org/presentationml/2006/main">
+  <p:tag name="NUM" val="1"/>
+</p:tagLst>
+</file>
+
+<file path=ppt/tags/tag99.xml><?xml version="1.0" encoding="utf-8"?>
 <p:tagLst xmlns:a="http://schemas.openxmlformats.org/drawingml/2006/main" xmlns:r="http://schemas.openxmlformats.org/officeDocument/2006/relationships" xmlns:p="http://schemas.openxmlformats.org/presentationml/2006/main">
   <p:tag name="NUM" val="2"/>
 </p:tagLst>
@@ -22110,21 +23546,6 @@
 </file>
 
 <file path=customXml/item1.xml><?xml version="1.0" encoding="utf-8"?>
-<p:properties xmlns:p="http://schemas.microsoft.com/office/2006/metadata/properties" xmlns:xsi="http://www.w3.org/2001/XMLSchema-instance" xmlns:pc="http://schemas.microsoft.com/office/infopath/2007/PartnerControls">
-  <documentManagement/>
-</p:properties>
-</file>
-
-<file path=customXml/item2.xml><?xml version="1.0" encoding="utf-8"?>
-<?mso-contentType ?>
-<FormTemplates xmlns="http://schemas.microsoft.com/sharepoint/v3/contenttype/forms">
-  <Display>DocumentLibraryForm</Display>
-  <Edit>DocumentLibraryForm</Edit>
-  <New>DocumentLibraryForm</New>
-</FormTemplates>
-</file>
-
-<file path=customXml/item3.xml><?xml version="1.0" encoding="utf-8"?>
 <ct:contentTypeSchema xmlns:ct="http://schemas.microsoft.com/office/2006/metadata/contentType" xmlns:ma="http://schemas.microsoft.com/office/2006/metadata/properties/metaAttributes" ct:_="" ma:_="" ma:contentTypeName="Document" ma:contentTypeID="0x0101009E94F1FE8E305F419C7807E7F814B081" ma:contentTypeVersion="11" ma:contentTypeDescription="Crée un document." ma:contentTypeScope="" ma:versionID="a1c1b26f24d7e58a1fc6e7fb7515f4b1">
   <xsd:schema xmlns:xsd="http://www.w3.org/2001/XMLSchema" xmlns:xs="http://www.w3.org/2001/XMLSchema" xmlns:p="http://schemas.microsoft.com/office/2006/metadata/properties" xmlns:ns3="bf44742c-fc46-4616-8725-dff710699ae5" xmlns:ns4="634a623b-b5c2-41f0-818c-5d787e90d776" targetNamespace="http://schemas.microsoft.com/office/2006/metadata/properties" ma:root="true" ma:fieldsID="94009b71cd5c58320ccdc7de25da8ac1" ns3:_="" ns4:_="">
     <xsd:import namespace="bf44742c-fc46-4616-8725-dff710699ae5"/>
@@ -22333,32 +23754,22 @@
 </ct:contentTypeSchema>
 </file>
 
-<file path=customXml/itemProps1.xml><?xml version="1.0" encoding="utf-8"?>
-<ds:datastoreItem xmlns:ds="http://schemas.openxmlformats.org/officeDocument/2006/customXml" ds:itemID="{9B780DE2-F02B-441B-A6E9-690F74AB081C}">
-  <ds:schemaRefs>
-    <ds:schemaRef ds:uri="http://purl.org/dc/terms/"/>
-    <ds:schemaRef ds:uri="http://schemas.microsoft.com/office/2006/documentManagement/types"/>
-    <ds:schemaRef ds:uri="http://www.w3.org/XML/1998/namespace"/>
-    <ds:schemaRef ds:uri="http://schemas.microsoft.com/office/infopath/2007/PartnerControls"/>
-    <ds:schemaRef ds:uri="bf44742c-fc46-4616-8725-dff710699ae5"/>
-    <ds:schemaRef ds:uri="http://purl.org/dc/dcmitype/"/>
-    <ds:schemaRef ds:uri="http://purl.org/dc/elements/1.1/"/>
-    <ds:schemaRef ds:uri="http://schemas.openxmlformats.org/package/2006/metadata/core-properties"/>
-    <ds:schemaRef ds:uri="634a623b-b5c2-41f0-818c-5d787e90d776"/>
-    <ds:schemaRef ds:uri="http://schemas.microsoft.com/office/2006/metadata/properties"/>
-  </ds:schemaRefs>
-</ds:datastoreItem>
+<file path=customXml/item2.xml><?xml version="1.0" encoding="utf-8"?>
+<?mso-contentType ?>
+<FormTemplates xmlns="http://schemas.microsoft.com/sharepoint/v3/contenttype/forms">
+  <Display>DocumentLibraryForm</Display>
+  <Edit>DocumentLibraryForm</Edit>
+  <New>DocumentLibraryForm</New>
+</FormTemplates>
 </file>
 
-<file path=customXml/itemProps2.xml><?xml version="1.0" encoding="utf-8"?>
-<ds:datastoreItem xmlns:ds="http://schemas.openxmlformats.org/officeDocument/2006/customXml" ds:itemID="{30F2025D-B737-41D8-9334-EE8F2C238280}">
-  <ds:schemaRefs>
-    <ds:schemaRef ds:uri="http://schemas.microsoft.com/sharepoint/v3/contenttype/forms"/>
-  </ds:schemaRefs>
-</ds:datastoreItem>
+<file path=customXml/item3.xml><?xml version="1.0" encoding="utf-8"?>
+<p:properties xmlns:p="http://schemas.microsoft.com/office/2006/metadata/properties" xmlns:xsi="http://www.w3.org/2001/XMLSchema-instance" xmlns:pc="http://schemas.microsoft.com/office/infopath/2007/PartnerControls">
+  <documentManagement/>
+</p:properties>
 </file>
 
-<file path=customXml/itemProps3.xml><?xml version="1.0" encoding="utf-8"?>
+<file path=customXml/itemProps1.xml><?xml version="1.0" encoding="utf-8"?>
 <ds:datastoreItem xmlns:ds="http://schemas.openxmlformats.org/officeDocument/2006/customXml" ds:itemID="{4B3038B5-F14F-41B0-90D3-5CD11A5D1660}">
   <ds:schemaRefs>
     <ds:schemaRef ds:uri="http://schemas.microsoft.com/office/2006/metadata/contentType"/>
@@ -22375,4 +23786,29 @@
     <ds:schemaRef ds:uri="http://schemas.microsoft.com/internal/obd"/>
   </ds:schemaRefs>
 </ds:datastoreItem>
+</file>
+
+<file path=customXml/itemProps2.xml><?xml version="1.0" encoding="utf-8"?>
+<ds:datastoreItem xmlns:ds="http://schemas.openxmlformats.org/officeDocument/2006/customXml" ds:itemID="{30F2025D-B737-41D8-9334-EE8F2C238280}">
+  <ds:schemaRefs>
+    <ds:schemaRef ds:uri="http://schemas.microsoft.com/sharepoint/v3/contenttype/forms"/>
+  </ds:schemaRefs>
+</ds:datastoreItem>
+</file>
+
+<file path=customXml/itemProps3.xml><?xml version="1.0" encoding="utf-8"?>
+<ds:datastoreItem xmlns:ds="http://schemas.openxmlformats.org/officeDocument/2006/customXml" ds:itemID="{9B780DE2-F02B-441B-A6E9-690F74AB081C}">
+  <ds:schemaRefs>
+    <ds:schemaRef ds:uri="http://purl.org/dc/terms/"/>
+    <ds:schemaRef ds:uri="http://schemas.microsoft.com/office/2006/documentManagement/types"/>
+    <ds:schemaRef ds:uri="http://www.w3.org/XML/1998/namespace"/>
+    <ds:schemaRef ds:uri="http://schemas.microsoft.com/office/infopath/2007/PartnerControls"/>
+    <ds:schemaRef ds:uri="bf44742c-fc46-4616-8725-dff710699ae5"/>
+    <ds:schemaRef ds:uri="http://purl.org/dc/dcmitype/"/>
+    <ds:schemaRef ds:uri="http://purl.org/dc/elements/1.1/"/>
+    <ds:schemaRef ds:uri="http://schemas.openxmlformats.org/package/2006/metadata/core-properties"/>
+    <ds:schemaRef ds:uri="634a623b-b5c2-41f0-818c-5d787e90d776"/>
+    <ds:schemaRef ds:uri="http://schemas.microsoft.com/office/2006/metadata/properties"/>
+  </ds:schemaRefs>
+</ds:datastoreItem>
 </file>
--- a/Module04_AdminSysLinux/Cours5DroitsAcces.pptx
+++ b/Module04_AdminSysLinux/Cours5DroitsAcces.pptx
@@ -216,7 +216,7 @@
 <file path=ppt/revisionInfo.xml><?xml version="1.0" encoding="utf-8"?>
 <p1510:revInfo xmlns:a="http://schemas.openxmlformats.org/drawingml/2006/main" xmlns:r="http://schemas.openxmlformats.org/officeDocument/2006/relationships" xmlns:p1510="http://schemas.microsoft.com/office/powerpoint/2015/10/main">
   <p1510:revLst>
-    <p1510:client id="{9452BF38-D9AB-48F2-8710-47FF5A84AD1E}" v="160" dt="2021-05-23T17:24:18.130"/>
+    <p1510:client id="{DA9B481B-261A-4C12-BAF5-319DB998A48A}" v="1" dt="2021-10-21T15:20:05.631"/>
   </p1510:revLst>
 </p1510:revInfo>
 </file>
@@ -1544,6 +1544,60 @@
       </pc:sldChg>
     </pc:docChg>
   </pc:docChgLst>
+  <pc:docChgLst>
+    <pc:chgData name="Jean-Pierre Duchesneau" userId="a41dad7d-4331-478d-884a-a37b1c6c6add" providerId="ADAL" clId="{DA9B481B-261A-4C12-BAF5-319DB998A48A}"/>
+    <pc:docChg chg="custSel modSld">
+      <pc:chgData name="Jean-Pierre Duchesneau" userId="a41dad7d-4331-478d-884a-a37b1c6c6add" providerId="ADAL" clId="{DA9B481B-261A-4C12-BAF5-319DB998A48A}" dt="2021-10-21T15:20:05.623" v="6" actId="6549"/>
+      <pc:docMkLst>
+        <pc:docMk/>
+      </pc:docMkLst>
+      <pc:sldChg chg="modSp mod">
+        <pc:chgData name="Jean-Pierre Duchesneau" userId="a41dad7d-4331-478d-884a-a37b1c6c6add" providerId="ADAL" clId="{DA9B481B-261A-4C12-BAF5-319DB998A48A}" dt="2021-10-20T23:05:57.743" v="3" actId="403"/>
+        <pc:sldMkLst>
+          <pc:docMk/>
+          <pc:sldMk cId="1596108065" sldId="270"/>
+        </pc:sldMkLst>
+        <pc:spChg chg="mod">
+          <ac:chgData name="Jean-Pierre Duchesneau" userId="a41dad7d-4331-478d-884a-a37b1c6c6add" providerId="ADAL" clId="{DA9B481B-261A-4C12-BAF5-319DB998A48A}" dt="2021-10-20T23:05:57.743" v="3" actId="403"/>
+          <ac:spMkLst>
+            <pc:docMk/>
+            <pc:sldMk cId="1596108065" sldId="270"/>
+            <ac:spMk id="3" creationId="{3500C6F9-C34A-4DFD-884D-19E1FE4AE7C8}"/>
+          </ac:spMkLst>
+        </pc:spChg>
+      </pc:sldChg>
+      <pc:sldChg chg="modSp mod">
+        <pc:chgData name="Jean-Pierre Duchesneau" userId="a41dad7d-4331-478d-884a-a37b1c6c6add" providerId="ADAL" clId="{DA9B481B-261A-4C12-BAF5-319DB998A48A}" dt="2021-10-20T23:06:30.995" v="5" actId="27636"/>
+        <pc:sldMkLst>
+          <pc:docMk/>
+          <pc:sldMk cId="1605671386" sldId="271"/>
+        </pc:sldMkLst>
+        <pc:spChg chg="mod">
+          <ac:chgData name="Jean-Pierre Duchesneau" userId="a41dad7d-4331-478d-884a-a37b1c6c6add" providerId="ADAL" clId="{DA9B481B-261A-4C12-BAF5-319DB998A48A}" dt="2021-10-20T23:06:30.995" v="5" actId="27636"/>
+          <ac:spMkLst>
+            <pc:docMk/>
+            <pc:sldMk cId="1605671386" sldId="271"/>
+            <ac:spMk id="3" creationId="{FCC5C79D-5635-4EFC-8691-B29707780F9E}"/>
+          </ac:spMkLst>
+        </pc:spChg>
+      </pc:sldChg>
+      <pc:sldChg chg="modSp">
+        <pc:chgData name="Jean-Pierre Duchesneau" userId="a41dad7d-4331-478d-884a-a37b1c6c6add" providerId="ADAL" clId="{DA9B481B-261A-4C12-BAF5-319DB998A48A}" dt="2021-10-21T15:20:05.623" v="6" actId="6549"/>
+        <pc:sldMkLst>
+          <pc:docMk/>
+          <pc:sldMk cId="0" sldId="326"/>
+        </pc:sldMkLst>
+        <pc:spChg chg="mod">
+          <ac:chgData name="Jean-Pierre Duchesneau" userId="a41dad7d-4331-478d-884a-a37b1c6c6add" providerId="ADAL" clId="{DA9B481B-261A-4C12-BAF5-319DB998A48A}" dt="2021-10-21T15:20:05.623" v="6" actId="6549"/>
+          <ac:spMkLst>
+            <pc:docMk/>
+            <pc:sldMk cId="0" sldId="326"/>
+            <ac:spMk id="3" creationId="{00000000-0000-0000-0000-000000000000}"/>
+          </ac:spMkLst>
+        </pc:spChg>
+      </pc:sldChg>
+    </pc:docChg>
+  </pc:docChgLst>
 </pc:chgInfo>
 </file>
 
@@ -1631,7 +1685,7 @@
             <a:pPr rtl="0"/>
             <a:fld id="{153B9F70-C9FE-45FE-8BA2-11B9BDB0807C}" type="datetime1">
               <a:rPr lang="fr-FR" smtClean="0"/>
-              <a:t>23/05/2021</a:t>
+              <a:t>21/10/2021</a:t>
             </a:fld>
             <a:endParaRPr lang="fr-FR" dirty="0"/>
           </a:p>
@@ -1801,7 +1855,7 @@
             <a:pPr rtl="0"/>
             <a:fld id="{722DDE82-2D54-4AB2-8114-EB06BAB63866}" type="datetime1">
               <a:rPr lang="fr-FR" noProof="0" smtClean="0"/>
-              <a:t>23/05/2021</a:t>
+              <a:t>21/10/2021</a:t>
             </a:fld>
             <a:endParaRPr lang="fr-FR" noProof="0" dirty="0"/>
           </a:p>
@@ -2778,7 +2832,7 @@
             <a:pPr rtl="0"/>
             <a:fld id="{4F100C82-D502-454B-9D54-D5DEB14EB94C}" type="datetime1">
               <a:rPr lang="fr-FR" noProof="0" smtClean="0"/>
-              <a:t>23/05/2021</a:t>
+              <a:t>21/10/2021</a:t>
             </a:fld>
             <a:endParaRPr lang="fr-FR" noProof="0" dirty="0"/>
           </a:p>
@@ -3330,7 +3384,7 @@
             <a:fld id="{FE5FE2D7-573C-4781-ABBD-3B4ABC3827AB}" type="datetime1">
               <a:rPr lang="fr-CA" smtClean="0"/>
               <a:pPr/>
-              <a:t>2021-05-23</a:t>
+              <a:t>2021-10-21</a:t>
             </a:fld>
             <a:endParaRPr lang="en-US" dirty="0"/>
           </a:p>
@@ -3630,7 +3684,7 @@
             <a:pPr rtl="0"/>
             <a:fld id="{2E4A3FCC-7018-480A-9973-FBF3BF4CEEDD}" type="datetime1">
               <a:rPr lang="fr-FR" noProof="0" smtClean="0"/>
-              <a:t>23/05/2021</a:t>
+              <a:t>21/10/2021</a:t>
             </a:fld>
             <a:endParaRPr lang="fr-FR" noProof="0" dirty="0"/>
           </a:p>
@@ -4414,7 +4468,7 @@
           </a:p>
           <a:p>
             <a:r>
-              <a:rPr lang="fr-FR" altLang="fr-FR" dirty="0">
+              <a:rPr lang="fr-FR" altLang="fr-FR" sz="2000" dirty="0">
                 <a:solidFill>
                   <a:schemeClr val="accent1"/>
                 </a:solidFill>
@@ -4423,7 +4477,7 @@
               <a:t>$ cd ~/</a:t>
             </a:r>
             <a:r>
-              <a:rPr lang="fr-FR" altLang="fr-FR" dirty="0" err="1">
+              <a:rPr lang="fr-FR" altLang="fr-FR" sz="2000" dirty="0" err="1">
                 <a:solidFill>
                   <a:schemeClr val="accent1"/>
                 </a:solidFill>
@@ -4432,14 +4486,14 @@
               <a:t>tmp</a:t>
             </a:r>
             <a:r>
-              <a:rPr lang="fr-FR" altLang="fr-FR" sz="1050" dirty="0">
+              <a:rPr lang="fr-FR" altLang="fr-FR" sz="1600" dirty="0">
                 <a:solidFill>
                   <a:schemeClr val="accent1"/>
                 </a:solidFill>
               </a:rPr>
               <a:t> </a:t>
             </a:r>
-            <a:endParaRPr lang="fr-FR" altLang="fr-FR" sz="2800" dirty="0">
+            <a:endParaRPr lang="fr-FR" altLang="fr-FR" sz="4400" dirty="0">
               <a:solidFill>
                 <a:schemeClr val="accent1"/>
               </a:solidFill>
@@ -4448,13 +4502,13 @@
           </a:p>
           <a:p>
             <a:r>
-              <a:rPr lang="fr-CA" dirty="0"/>
+              <a:rPr lang="fr-CA" sz="2000" dirty="0"/>
               <a:t>Si vous entrez ceci, vous obtenez une erreur :</a:t>
             </a:r>
           </a:p>
           <a:p>
             <a:r>
-              <a:rPr lang="fr-FR" altLang="fr-FR" dirty="0">
+              <a:rPr lang="fr-FR" altLang="fr-FR" sz="2000" dirty="0">
                 <a:solidFill>
                   <a:schemeClr val="accent1"/>
                 </a:solidFill>
@@ -4462,7 +4516,7 @@
               </a:rPr>
               <a:t>cd /~</a:t>
             </a:r>
-            <a:endParaRPr lang="fr-CA" dirty="0">
+            <a:endParaRPr lang="fr-CA" sz="2000" dirty="0">
               <a:solidFill>
                 <a:schemeClr val="accent1"/>
               </a:solidFill>
@@ -4555,7 +4609,9 @@
         </p:nvSpPr>
         <p:spPr/>
         <p:txBody>
-          <a:bodyPr/>
+          <a:bodyPr>
+            <a:normAutofit lnSpcReduction="10000"/>
+          </a:bodyPr>
           <a:lstStyle/>
           <a:p>
             <a:r>
@@ -4598,7 +4654,11 @@
           <a:p>
             <a:r>
               <a:rPr lang="fr-CA" dirty="0"/>
-              <a:t>Si vous saisissez cd ., vous ne bougez pas. Le point sera très utile lorsque vous devrez spécifier des chemins explicites à des commandes situées dans le répertoire où vous êtes positionné.</a:t>
+              <a:t>Si vous saisissez cd ., vous ne bougez pas. </a:t>
+            </a:r>
+            <a:r>
+              <a:rPr lang="fr-CA" b="1" dirty="0"/>
+              <a:t>Le point sera très utile lorsque vous devrez spécifier des chemins explicites à des commandes situées dans le répertoire où vous êtes positionné.</a:t>
             </a:r>
           </a:p>
           <a:p>
@@ -9338,7 +9398,7 @@
                   <a:schemeClr val="accent2"/>
                 </a:solidFill>
               </a:rPr>
-              <a:t>cat /,</a:t>
+              <a:t>cat /</a:t>
             </a:r>
             <a:r>
               <a:rPr lang="fr-CA" altLang="fr-FR" sz="6400" b="1" dirty="0" err="1">
